--- a/HTML/HTML.pptx
+++ b/HTML/HTML.pptx
@@ -1,23 +1,23 @@
 
 <file path=ppt/presentation.xml><?xml version="1.0" encoding="utf-8"?>
-<p:presentation xmlns:a="http://schemas.openxmlformats.org/drawingml/2006/main" xmlns:r="http://schemas.openxmlformats.org/officeDocument/2006/relationships" xmlns:p="http://schemas.openxmlformats.org/presentationml/2006/main" saveSubsetFonts="1">
+<p:presentation xmlns:a="http://schemas.openxmlformats.org/drawingml/2006/main" xmlns:r="http://schemas.openxmlformats.org/officeDocument/2006/relationships" xmlns:p="http://schemas.openxmlformats.org/presentationml/2006/main">
   <p:sldMasterIdLst>
     <p:sldMasterId id="2147483648" r:id="rId1"/>
   </p:sldMasterIdLst>
   <p:sldIdLst>
-    <p:sldId id="256" r:id="rId2"/>
-    <p:sldId id="257" r:id="rId3"/>
-    <p:sldId id="258" r:id="rId4"/>
-    <p:sldId id="259" r:id="rId5"/>
-    <p:sldId id="260" r:id="rId6"/>
-    <p:sldId id="261" r:id="rId7"/>
-    <p:sldId id="262" r:id="rId8"/>
-    <p:sldId id="263" r:id="rId9"/>
-    <p:sldId id="264" r:id="rId10"/>
-    <p:sldId id="265" r:id="rId11"/>
-    <p:sldId id="266" r:id="rId12"/>
-    <p:sldId id="267" r:id="rId13"/>
-    <p:sldId id="268" r:id="rId14"/>
+    <p:sldId id="256" r:id="rId3"/>
+    <p:sldId id="257" r:id="rId4"/>
+    <p:sldId id="258" r:id="rId5"/>
+    <p:sldId id="259" r:id="rId6"/>
+    <p:sldId id="260" r:id="rId7"/>
+    <p:sldId id="261" r:id="rId8"/>
+    <p:sldId id="262" r:id="rId9"/>
+    <p:sldId id="263" r:id="rId10"/>
+    <p:sldId id="264" r:id="rId11"/>
+    <p:sldId id="265" r:id="rId12"/>
+    <p:sldId id="266" r:id="rId13"/>
+    <p:sldId id="267" r:id="rId14"/>
+    <p:sldId id="268" r:id="rId15"/>
   </p:sldIdLst>
   <p:sldSz cx="12192000" cy="6858000"/>
   <p:notesSz cx="6858000" cy="9144000"/>
@@ -138,13 +138,7 @@
       </p:grpSpPr>
       <p:sp>
         <p:nvSpPr>
-          <p:cNvPr id="2" name="Title 1">
-            <a:extLst>
-              <a:ext uri="{FF2B5EF4-FFF2-40B4-BE49-F238E27FC236}">
-                <a16:creationId xmlns:a16="http://schemas.microsoft.com/office/drawing/2014/main" id="{851ECA58-448B-A050-C678-AD09D9949C6B}"/>
-              </a:ext>
-            </a:extLst>
-          </p:cNvPr>
+          <p:cNvPr id="2" name="Title 1"/>
           <p:cNvSpPr>
             <a:spLocks noGrp="1"/>
           </p:cNvSpPr>
@@ -170,18 +164,13 @@
               <a:rPr lang="en-US"/>
               <a:t>Click to edit Master title style</a:t>
             </a:r>
-          </a:p>
-        </p:txBody>
-      </p:sp>
-      <p:sp>
-        <p:nvSpPr>
-          <p:cNvPr id="3" name="Subtitle 2">
-            <a:extLst>
-              <a:ext uri="{FF2B5EF4-FFF2-40B4-BE49-F238E27FC236}">
-                <a16:creationId xmlns:a16="http://schemas.microsoft.com/office/drawing/2014/main" id="{529F3C5C-5F7A-5318-24B4-91C256A4361C}"/>
-              </a:ext>
-            </a:extLst>
-          </p:cNvPr>
+            <a:endParaRPr lang="en-US"/>
+          </a:p>
+        </p:txBody>
+      </p:sp>
+      <p:sp>
+        <p:nvSpPr>
+          <p:cNvPr id="3" name="Subtitle 2"/>
           <p:cNvSpPr>
             <a:spLocks noGrp="1"/>
           </p:cNvSpPr>
@@ -240,18 +229,13 @@
               <a:rPr lang="en-US"/>
               <a:t>Click to edit Master subtitle style</a:t>
             </a:r>
-          </a:p>
-        </p:txBody>
-      </p:sp>
-      <p:sp>
-        <p:nvSpPr>
-          <p:cNvPr id="4" name="Date Placeholder 3">
-            <a:extLst>
-              <a:ext uri="{FF2B5EF4-FFF2-40B4-BE49-F238E27FC236}">
-                <a16:creationId xmlns:a16="http://schemas.microsoft.com/office/drawing/2014/main" id="{DD33E652-D3C2-9945-4CC6-33FFEE5D59DD}"/>
-              </a:ext>
-            </a:extLst>
-          </p:cNvPr>
+            <a:endParaRPr lang="en-US"/>
+          </a:p>
+        </p:txBody>
+      </p:sp>
+      <p:sp>
+        <p:nvSpPr>
+          <p:cNvPr id="4" name="Date Placeholder 3"/>
           <p:cNvSpPr>
             <a:spLocks noGrp="1"/>
           </p:cNvSpPr>
@@ -266,7 +250,6 @@
           <a:p>
             <a:fld id="{04BA8741-4DC2-40D3-A36B-DAE6BC62F3B9}" type="datetimeFigureOut">
               <a:rPr lang="en-US" smtClean="0"/>
-              <a:t>8/27/2022</a:t>
             </a:fld>
             <a:endParaRPr lang="en-US"/>
           </a:p>
@@ -274,13 +257,7 @@
       </p:sp>
       <p:sp>
         <p:nvSpPr>
-          <p:cNvPr id="5" name="Footer Placeholder 4">
-            <a:extLst>
-              <a:ext uri="{FF2B5EF4-FFF2-40B4-BE49-F238E27FC236}">
-                <a16:creationId xmlns:a16="http://schemas.microsoft.com/office/drawing/2014/main" id="{6AF7BE2A-A2DD-D6D8-4AAA-580AF5FA9822}"/>
-              </a:ext>
-            </a:extLst>
-          </p:cNvPr>
+          <p:cNvPr id="5" name="Footer Placeholder 4"/>
           <p:cNvSpPr>
             <a:spLocks noGrp="1"/>
           </p:cNvSpPr>
@@ -299,13 +276,7 @@
       </p:sp>
       <p:sp>
         <p:nvSpPr>
-          <p:cNvPr id="6" name="Slide Number Placeholder 5">
-            <a:extLst>
-              <a:ext uri="{FF2B5EF4-FFF2-40B4-BE49-F238E27FC236}">
-                <a16:creationId xmlns:a16="http://schemas.microsoft.com/office/drawing/2014/main" id="{5B346199-F7A5-5864-8200-87C017F87904}"/>
-              </a:ext>
-            </a:extLst>
-          </p:cNvPr>
+          <p:cNvPr id="6" name="Slide Number Placeholder 5"/>
           <p:cNvSpPr>
             <a:spLocks noGrp="1"/>
           </p:cNvSpPr>
@@ -320,18 +291,12 @@
           <a:p>
             <a:fld id="{FB8A8BD5-E13F-466C-80AA-536FE389EF9A}" type="slidenum">
               <a:rPr lang="en-US" smtClean="0"/>
-              <a:t>‹#›</a:t>
             </a:fld>
             <a:endParaRPr lang="en-US"/>
           </a:p>
         </p:txBody>
       </p:sp>
     </p:spTree>
-    <p:extLst>
-      <p:ext uri="{BB962C8B-B14F-4D97-AF65-F5344CB8AC3E}">
-        <p14:creationId xmlns:p14="http://schemas.microsoft.com/office/powerpoint/2010/main" val="1516010012"/>
-      </p:ext>
-    </p:extLst>
   </p:cSld>
   <p:clrMapOvr>
     <a:masterClrMapping/>
@@ -358,13 +323,7 @@
       </p:grpSpPr>
       <p:sp>
         <p:nvSpPr>
-          <p:cNvPr id="2" name="Title 1">
-            <a:extLst>
-              <a:ext uri="{FF2B5EF4-FFF2-40B4-BE49-F238E27FC236}">
-                <a16:creationId xmlns:a16="http://schemas.microsoft.com/office/drawing/2014/main" id="{B3E827D4-BDE9-9DE4-05A0-8D6C1CD09101}"/>
-              </a:ext>
-            </a:extLst>
-          </p:cNvPr>
+          <p:cNvPr id="2" name="Title 1"/>
           <p:cNvSpPr>
             <a:spLocks noGrp="1"/>
           </p:cNvSpPr>
@@ -381,18 +340,13 @@
               <a:rPr lang="en-US"/>
               <a:t>Click to edit Master title style</a:t>
             </a:r>
-          </a:p>
-        </p:txBody>
-      </p:sp>
-      <p:sp>
-        <p:nvSpPr>
-          <p:cNvPr id="3" name="Vertical Text Placeholder 2">
-            <a:extLst>
-              <a:ext uri="{FF2B5EF4-FFF2-40B4-BE49-F238E27FC236}">
-                <a16:creationId xmlns:a16="http://schemas.microsoft.com/office/drawing/2014/main" id="{E279E127-54A7-4550-9A3C-DDE1D4A9A5C7}"/>
-              </a:ext>
-            </a:extLst>
-          </p:cNvPr>
+            <a:endParaRPr lang="en-US"/>
+          </a:p>
+        </p:txBody>
+      </p:sp>
+      <p:sp>
+        <p:nvSpPr>
+          <p:cNvPr id="3" name="Vertical Text Placeholder 2"/>
           <p:cNvSpPr>
             <a:spLocks noGrp="1"/>
           </p:cNvSpPr>
@@ -410,6 +364,7 @@
               <a:rPr lang="en-US"/>
               <a:t>Click to edit Master text styles</a:t>
             </a:r>
+            <a:endParaRPr lang="en-US"/>
           </a:p>
           <a:p>
             <a:pPr lvl="1"/>
@@ -417,6 +372,7 @@
               <a:rPr lang="en-US"/>
               <a:t>Second level</a:t>
             </a:r>
+            <a:endParaRPr lang="en-US"/>
           </a:p>
           <a:p>
             <a:pPr lvl="2"/>
@@ -424,6 +380,7 @@
               <a:rPr lang="en-US"/>
               <a:t>Third level</a:t>
             </a:r>
+            <a:endParaRPr lang="en-US"/>
           </a:p>
           <a:p>
             <a:pPr lvl="3"/>
@@ -431,6 +388,7 @@
               <a:rPr lang="en-US"/>
               <a:t>Fourth level</a:t>
             </a:r>
+            <a:endParaRPr lang="en-US"/>
           </a:p>
           <a:p>
             <a:pPr lvl="4"/>
@@ -438,18 +396,13 @@
               <a:rPr lang="en-US"/>
               <a:t>Fifth level</a:t>
             </a:r>
-          </a:p>
-        </p:txBody>
-      </p:sp>
-      <p:sp>
-        <p:nvSpPr>
-          <p:cNvPr id="4" name="Date Placeholder 3">
-            <a:extLst>
-              <a:ext uri="{FF2B5EF4-FFF2-40B4-BE49-F238E27FC236}">
-                <a16:creationId xmlns:a16="http://schemas.microsoft.com/office/drawing/2014/main" id="{BE01EA81-7227-D9FE-6FEE-F421A87658CB}"/>
-              </a:ext>
-            </a:extLst>
-          </p:cNvPr>
+            <a:endParaRPr lang="en-US"/>
+          </a:p>
+        </p:txBody>
+      </p:sp>
+      <p:sp>
+        <p:nvSpPr>
+          <p:cNvPr id="4" name="Date Placeholder 3"/>
           <p:cNvSpPr>
             <a:spLocks noGrp="1"/>
           </p:cNvSpPr>
@@ -464,7 +417,6 @@
           <a:p>
             <a:fld id="{04BA8741-4DC2-40D3-A36B-DAE6BC62F3B9}" type="datetimeFigureOut">
               <a:rPr lang="en-US" smtClean="0"/>
-              <a:t>8/27/2022</a:t>
             </a:fld>
             <a:endParaRPr lang="en-US"/>
           </a:p>
@@ -472,13 +424,7 @@
       </p:sp>
       <p:sp>
         <p:nvSpPr>
-          <p:cNvPr id="5" name="Footer Placeholder 4">
-            <a:extLst>
-              <a:ext uri="{FF2B5EF4-FFF2-40B4-BE49-F238E27FC236}">
-                <a16:creationId xmlns:a16="http://schemas.microsoft.com/office/drawing/2014/main" id="{2848D159-824F-8E1B-39E0-D87F861199BA}"/>
-              </a:ext>
-            </a:extLst>
-          </p:cNvPr>
+          <p:cNvPr id="5" name="Footer Placeholder 4"/>
           <p:cNvSpPr>
             <a:spLocks noGrp="1"/>
           </p:cNvSpPr>
@@ -497,13 +443,7 @@
       </p:sp>
       <p:sp>
         <p:nvSpPr>
-          <p:cNvPr id="6" name="Slide Number Placeholder 5">
-            <a:extLst>
-              <a:ext uri="{FF2B5EF4-FFF2-40B4-BE49-F238E27FC236}">
-                <a16:creationId xmlns:a16="http://schemas.microsoft.com/office/drawing/2014/main" id="{9385FA2F-87D9-B7A2-E22D-04D2484C59F1}"/>
-              </a:ext>
-            </a:extLst>
-          </p:cNvPr>
+          <p:cNvPr id="6" name="Slide Number Placeholder 5"/>
           <p:cNvSpPr>
             <a:spLocks noGrp="1"/>
           </p:cNvSpPr>
@@ -518,18 +458,12 @@
           <a:p>
             <a:fld id="{FB8A8BD5-E13F-466C-80AA-536FE389EF9A}" type="slidenum">
               <a:rPr lang="en-US" smtClean="0"/>
-              <a:t>‹#›</a:t>
             </a:fld>
             <a:endParaRPr lang="en-US"/>
           </a:p>
         </p:txBody>
       </p:sp>
     </p:spTree>
-    <p:extLst>
-      <p:ext uri="{BB962C8B-B14F-4D97-AF65-F5344CB8AC3E}">
-        <p14:creationId xmlns:p14="http://schemas.microsoft.com/office/powerpoint/2010/main" val="2844437927"/>
-      </p:ext>
-    </p:extLst>
   </p:cSld>
   <p:clrMapOvr>
     <a:masterClrMapping/>
@@ -556,13 +490,7 @@
       </p:grpSpPr>
       <p:sp>
         <p:nvSpPr>
-          <p:cNvPr id="2" name="Vertical Title 1">
-            <a:extLst>
-              <a:ext uri="{FF2B5EF4-FFF2-40B4-BE49-F238E27FC236}">
-                <a16:creationId xmlns:a16="http://schemas.microsoft.com/office/drawing/2014/main" id="{8E2CF789-AEBF-07DE-AA21-AE9CC2F615E8}"/>
-              </a:ext>
-            </a:extLst>
-          </p:cNvPr>
+          <p:cNvPr id="2" name="Vertical Title 1"/>
           <p:cNvSpPr>
             <a:spLocks noGrp="1"/>
           </p:cNvSpPr>
@@ -584,18 +512,13 @@
               <a:rPr lang="en-US"/>
               <a:t>Click to edit Master title style</a:t>
             </a:r>
-          </a:p>
-        </p:txBody>
-      </p:sp>
-      <p:sp>
-        <p:nvSpPr>
-          <p:cNvPr id="3" name="Vertical Text Placeholder 2">
-            <a:extLst>
-              <a:ext uri="{FF2B5EF4-FFF2-40B4-BE49-F238E27FC236}">
-                <a16:creationId xmlns:a16="http://schemas.microsoft.com/office/drawing/2014/main" id="{A202C873-9F61-EFA2-AEB2-6D94A57EA34F}"/>
-              </a:ext>
-            </a:extLst>
-          </p:cNvPr>
+            <a:endParaRPr lang="en-US"/>
+          </a:p>
+        </p:txBody>
+      </p:sp>
+      <p:sp>
+        <p:nvSpPr>
+          <p:cNvPr id="3" name="Vertical Text Placeholder 2"/>
           <p:cNvSpPr>
             <a:spLocks noGrp="1"/>
           </p:cNvSpPr>
@@ -618,6 +541,7 @@
               <a:rPr lang="en-US"/>
               <a:t>Click to edit Master text styles</a:t>
             </a:r>
+            <a:endParaRPr lang="en-US"/>
           </a:p>
           <a:p>
             <a:pPr lvl="1"/>
@@ -625,6 +549,7 @@
               <a:rPr lang="en-US"/>
               <a:t>Second level</a:t>
             </a:r>
+            <a:endParaRPr lang="en-US"/>
           </a:p>
           <a:p>
             <a:pPr lvl="2"/>
@@ -632,6 +557,7 @@
               <a:rPr lang="en-US"/>
               <a:t>Third level</a:t>
             </a:r>
+            <a:endParaRPr lang="en-US"/>
           </a:p>
           <a:p>
             <a:pPr lvl="3"/>
@@ -639,6 +565,7 @@
               <a:rPr lang="en-US"/>
               <a:t>Fourth level</a:t>
             </a:r>
+            <a:endParaRPr lang="en-US"/>
           </a:p>
           <a:p>
             <a:pPr lvl="4"/>
@@ -646,18 +573,13 @@
               <a:rPr lang="en-US"/>
               <a:t>Fifth level</a:t>
             </a:r>
-          </a:p>
-        </p:txBody>
-      </p:sp>
-      <p:sp>
-        <p:nvSpPr>
-          <p:cNvPr id="4" name="Date Placeholder 3">
-            <a:extLst>
-              <a:ext uri="{FF2B5EF4-FFF2-40B4-BE49-F238E27FC236}">
-                <a16:creationId xmlns:a16="http://schemas.microsoft.com/office/drawing/2014/main" id="{D2F058DD-1B36-59A5-E5E9-0B4377A69350}"/>
-              </a:ext>
-            </a:extLst>
-          </p:cNvPr>
+            <a:endParaRPr lang="en-US"/>
+          </a:p>
+        </p:txBody>
+      </p:sp>
+      <p:sp>
+        <p:nvSpPr>
+          <p:cNvPr id="4" name="Date Placeholder 3"/>
           <p:cNvSpPr>
             <a:spLocks noGrp="1"/>
           </p:cNvSpPr>
@@ -672,7 +594,6 @@
           <a:p>
             <a:fld id="{04BA8741-4DC2-40D3-A36B-DAE6BC62F3B9}" type="datetimeFigureOut">
               <a:rPr lang="en-US" smtClean="0"/>
-              <a:t>8/27/2022</a:t>
             </a:fld>
             <a:endParaRPr lang="en-US"/>
           </a:p>
@@ -680,13 +601,7 @@
       </p:sp>
       <p:sp>
         <p:nvSpPr>
-          <p:cNvPr id="5" name="Footer Placeholder 4">
-            <a:extLst>
-              <a:ext uri="{FF2B5EF4-FFF2-40B4-BE49-F238E27FC236}">
-                <a16:creationId xmlns:a16="http://schemas.microsoft.com/office/drawing/2014/main" id="{A3A8C151-F45E-C991-42CA-4BF5116A895A}"/>
-              </a:ext>
-            </a:extLst>
-          </p:cNvPr>
+          <p:cNvPr id="5" name="Footer Placeholder 4"/>
           <p:cNvSpPr>
             <a:spLocks noGrp="1"/>
           </p:cNvSpPr>
@@ -705,13 +620,7 @@
       </p:sp>
       <p:sp>
         <p:nvSpPr>
-          <p:cNvPr id="6" name="Slide Number Placeholder 5">
-            <a:extLst>
-              <a:ext uri="{FF2B5EF4-FFF2-40B4-BE49-F238E27FC236}">
-                <a16:creationId xmlns:a16="http://schemas.microsoft.com/office/drawing/2014/main" id="{F9D274E6-6287-583F-1191-08FE3634F410}"/>
-              </a:ext>
-            </a:extLst>
-          </p:cNvPr>
+          <p:cNvPr id="6" name="Slide Number Placeholder 5"/>
           <p:cNvSpPr>
             <a:spLocks noGrp="1"/>
           </p:cNvSpPr>
@@ -726,18 +635,12 @@
           <a:p>
             <a:fld id="{FB8A8BD5-E13F-466C-80AA-536FE389EF9A}" type="slidenum">
               <a:rPr lang="en-US" smtClean="0"/>
-              <a:t>‹#›</a:t>
             </a:fld>
             <a:endParaRPr lang="en-US"/>
           </a:p>
         </p:txBody>
       </p:sp>
     </p:spTree>
-    <p:extLst>
-      <p:ext uri="{BB962C8B-B14F-4D97-AF65-F5344CB8AC3E}">
-        <p14:creationId xmlns:p14="http://schemas.microsoft.com/office/powerpoint/2010/main" val="3974518247"/>
-      </p:ext>
-    </p:extLst>
   </p:cSld>
   <p:clrMapOvr>
     <a:masterClrMapping/>
@@ -764,13 +667,7 @@
       </p:grpSpPr>
       <p:sp>
         <p:nvSpPr>
-          <p:cNvPr id="2" name="Title 1">
-            <a:extLst>
-              <a:ext uri="{FF2B5EF4-FFF2-40B4-BE49-F238E27FC236}">
-                <a16:creationId xmlns:a16="http://schemas.microsoft.com/office/drawing/2014/main" id="{C27E1B72-A8AF-2006-2A41-5EBF1FE4B4B4}"/>
-              </a:ext>
-            </a:extLst>
-          </p:cNvPr>
+          <p:cNvPr id="2" name="Title 1"/>
           <p:cNvSpPr>
             <a:spLocks noGrp="1"/>
           </p:cNvSpPr>
@@ -787,18 +684,13 @@
               <a:rPr lang="en-US"/>
               <a:t>Click to edit Master title style</a:t>
             </a:r>
-          </a:p>
-        </p:txBody>
-      </p:sp>
-      <p:sp>
-        <p:nvSpPr>
-          <p:cNvPr id="3" name="Content Placeholder 2">
-            <a:extLst>
-              <a:ext uri="{FF2B5EF4-FFF2-40B4-BE49-F238E27FC236}">
-                <a16:creationId xmlns:a16="http://schemas.microsoft.com/office/drawing/2014/main" id="{A30FD448-03C0-F93C-4EFA-0D4CE5E7DCBA}"/>
-              </a:ext>
-            </a:extLst>
-          </p:cNvPr>
+            <a:endParaRPr lang="en-US"/>
+          </a:p>
+        </p:txBody>
+      </p:sp>
+      <p:sp>
+        <p:nvSpPr>
+          <p:cNvPr id="3" name="Content Placeholder 2"/>
           <p:cNvSpPr>
             <a:spLocks noGrp="1"/>
           </p:cNvSpPr>
@@ -816,6 +708,7 @@
               <a:rPr lang="en-US"/>
               <a:t>Click to edit Master text styles</a:t>
             </a:r>
+            <a:endParaRPr lang="en-US"/>
           </a:p>
           <a:p>
             <a:pPr lvl="1"/>
@@ -823,6 +716,7 @@
               <a:rPr lang="en-US"/>
               <a:t>Second level</a:t>
             </a:r>
+            <a:endParaRPr lang="en-US"/>
           </a:p>
           <a:p>
             <a:pPr lvl="2"/>
@@ -830,6 +724,7 @@
               <a:rPr lang="en-US"/>
               <a:t>Third level</a:t>
             </a:r>
+            <a:endParaRPr lang="en-US"/>
           </a:p>
           <a:p>
             <a:pPr lvl="3"/>
@@ -837,6 +732,7 @@
               <a:rPr lang="en-US"/>
               <a:t>Fourth level</a:t>
             </a:r>
+            <a:endParaRPr lang="en-US"/>
           </a:p>
           <a:p>
             <a:pPr lvl="4"/>
@@ -844,18 +740,13 @@
               <a:rPr lang="en-US"/>
               <a:t>Fifth level</a:t>
             </a:r>
-          </a:p>
-        </p:txBody>
-      </p:sp>
-      <p:sp>
-        <p:nvSpPr>
-          <p:cNvPr id="4" name="Date Placeholder 3">
-            <a:extLst>
-              <a:ext uri="{FF2B5EF4-FFF2-40B4-BE49-F238E27FC236}">
-                <a16:creationId xmlns:a16="http://schemas.microsoft.com/office/drawing/2014/main" id="{6A9A476B-661D-E2C7-26AA-A1761EC3DE59}"/>
-              </a:ext>
-            </a:extLst>
-          </p:cNvPr>
+            <a:endParaRPr lang="en-US"/>
+          </a:p>
+        </p:txBody>
+      </p:sp>
+      <p:sp>
+        <p:nvSpPr>
+          <p:cNvPr id="4" name="Date Placeholder 3"/>
           <p:cNvSpPr>
             <a:spLocks noGrp="1"/>
           </p:cNvSpPr>
@@ -870,7 +761,6 @@
           <a:p>
             <a:fld id="{04BA8741-4DC2-40D3-A36B-DAE6BC62F3B9}" type="datetimeFigureOut">
               <a:rPr lang="en-US" smtClean="0"/>
-              <a:t>8/27/2022</a:t>
             </a:fld>
             <a:endParaRPr lang="en-US"/>
           </a:p>
@@ -878,13 +768,7 @@
       </p:sp>
       <p:sp>
         <p:nvSpPr>
-          <p:cNvPr id="5" name="Footer Placeholder 4">
-            <a:extLst>
-              <a:ext uri="{FF2B5EF4-FFF2-40B4-BE49-F238E27FC236}">
-                <a16:creationId xmlns:a16="http://schemas.microsoft.com/office/drawing/2014/main" id="{094AF3FA-D0BD-B6F1-82A4-BDB490BB1041}"/>
-              </a:ext>
-            </a:extLst>
-          </p:cNvPr>
+          <p:cNvPr id="5" name="Footer Placeholder 4"/>
           <p:cNvSpPr>
             <a:spLocks noGrp="1"/>
           </p:cNvSpPr>
@@ -903,13 +787,7 @@
       </p:sp>
       <p:sp>
         <p:nvSpPr>
-          <p:cNvPr id="6" name="Slide Number Placeholder 5">
-            <a:extLst>
-              <a:ext uri="{FF2B5EF4-FFF2-40B4-BE49-F238E27FC236}">
-                <a16:creationId xmlns:a16="http://schemas.microsoft.com/office/drawing/2014/main" id="{ABD1D8F4-4323-9DE8-B5F1-6D3BFC8F72A9}"/>
-              </a:ext>
-            </a:extLst>
-          </p:cNvPr>
+          <p:cNvPr id="6" name="Slide Number Placeholder 5"/>
           <p:cNvSpPr>
             <a:spLocks noGrp="1"/>
           </p:cNvSpPr>
@@ -924,18 +802,12 @@
           <a:p>
             <a:fld id="{FB8A8BD5-E13F-466C-80AA-536FE389EF9A}" type="slidenum">
               <a:rPr lang="en-US" smtClean="0"/>
-              <a:t>‹#›</a:t>
             </a:fld>
             <a:endParaRPr lang="en-US"/>
           </a:p>
         </p:txBody>
       </p:sp>
     </p:spTree>
-    <p:extLst>
-      <p:ext uri="{BB962C8B-B14F-4D97-AF65-F5344CB8AC3E}">
-        <p14:creationId xmlns:p14="http://schemas.microsoft.com/office/powerpoint/2010/main" val="1332780008"/>
-      </p:ext>
-    </p:extLst>
   </p:cSld>
   <p:clrMapOvr>
     <a:masterClrMapping/>
@@ -962,13 +834,7 @@
       </p:grpSpPr>
       <p:sp>
         <p:nvSpPr>
-          <p:cNvPr id="2" name="Title 1">
-            <a:extLst>
-              <a:ext uri="{FF2B5EF4-FFF2-40B4-BE49-F238E27FC236}">
-                <a16:creationId xmlns:a16="http://schemas.microsoft.com/office/drawing/2014/main" id="{993B152F-5D46-48D6-12B7-F51D8BF6F515}"/>
-              </a:ext>
-            </a:extLst>
-          </p:cNvPr>
+          <p:cNvPr id="2" name="Title 1"/>
           <p:cNvSpPr>
             <a:spLocks noGrp="1"/>
           </p:cNvSpPr>
@@ -994,18 +860,13 @@
               <a:rPr lang="en-US"/>
               <a:t>Click to edit Master title style</a:t>
             </a:r>
-          </a:p>
-        </p:txBody>
-      </p:sp>
-      <p:sp>
-        <p:nvSpPr>
-          <p:cNvPr id="3" name="Text Placeholder 2">
-            <a:extLst>
-              <a:ext uri="{FF2B5EF4-FFF2-40B4-BE49-F238E27FC236}">
-                <a16:creationId xmlns:a16="http://schemas.microsoft.com/office/drawing/2014/main" id="{7B3975E2-4919-E962-4DAF-934AF4AA537F}"/>
-              </a:ext>
-            </a:extLst>
-          </p:cNvPr>
+            <a:endParaRPr lang="en-US"/>
+          </a:p>
+        </p:txBody>
+      </p:sp>
+      <p:sp>
+        <p:nvSpPr>
+          <p:cNvPr id="3" name="Text Placeholder 2"/>
           <p:cNvSpPr>
             <a:spLocks noGrp="1"/>
           </p:cNvSpPr>
@@ -1119,18 +980,13 @@
               <a:rPr lang="en-US"/>
               <a:t>Click to edit Master text styles</a:t>
             </a:r>
-          </a:p>
-        </p:txBody>
-      </p:sp>
-      <p:sp>
-        <p:nvSpPr>
-          <p:cNvPr id="4" name="Date Placeholder 3">
-            <a:extLst>
-              <a:ext uri="{FF2B5EF4-FFF2-40B4-BE49-F238E27FC236}">
-                <a16:creationId xmlns:a16="http://schemas.microsoft.com/office/drawing/2014/main" id="{3392CA1A-ABA3-EBA5-E7D3-2CCDF6012A7B}"/>
-              </a:ext>
-            </a:extLst>
-          </p:cNvPr>
+            <a:endParaRPr lang="en-US"/>
+          </a:p>
+        </p:txBody>
+      </p:sp>
+      <p:sp>
+        <p:nvSpPr>
+          <p:cNvPr id="4" name="Date Placeholder 3"/>
           <p:cNvSpPr>
             <a:spLocks noGrp="1"/>
           </p:cNvSpPr>
@@ -1145,7 +1001,6 @@
           <a:p>
             <a:fld id="{04BA8741-4DC2-40D3-A36B-DAE6BC62F3B9}" type="datetimeFigureOut">
               <a:rPr lang="en-US" smtClean="0"/>
-              <a:t>8/27/2022</a:t>
             </a:fld>
             <a:endParaRPr lang="en-US"/>
           </a:p>
@@ -1153,13 +1008,7 @@
       </p:sp>
       <p:sp>
         <p:nvSpPr>
-          <p:cNvPr id="5" name="Footer Placeholder 4">
-            <a:extLst>
-              <a:ext uri="{FF2B5EF4-FFF2-40B4-BE49-F238E27FC236}">
-                <a16:creationId xmlns:a16="http://schemas.microsoft.com/office/drawing/2014/main" id="{0A7A3164-95A6-DB82-9C36-41F65B8F5667}"/>
-              </a:ext>
-            </a:extLst>
-          </p:cNvPr>
+          <p:cNvPr id="5" name="Footer Placeholder 4"/>
           <p:cNvSpPr>
             <a:spLocks noGrp="1"/>
           </p:cNvSpPr>
@@ -1178,13 +1027,7 @@
       </p:sp>
       <p:sp>
         <p:nvSpPr>
-          <p:cNvPr id="6" name="Slide Number Placeholder 5">
-            <a:extLst>
-              <a:ext uri="{FF2B5EF4-FFF2-40B4-BE49-F238E27FC236}">
-                <a16:creationId xmlns:a16="http://schemas.microsoft.com/office/drawing/2014/main" id="{1E14C462-377E-277F-06C9-CC4BF71EE706}"/>
-              </a:ext>
-            </a:extLst>
-          </p:cNvPr>
+          <p:cNvPr id="6" name="Slide Number Placeholder 5"/>
           <p:cNvSpPr>
             <a:spLocks noGrp="1"/>
           </p:cNvSpPr>
@@ -1199,18 +1042,12 @@
           <a:p>
             <a:fld id="{FB8A8BD5-E13F-466C-80AA-536FE389EF9A}" type="slidenum">
               <a:rPr lang="en-US" smtClean="0"/>
-              <a:t>‹#›</a:t>
             </a:fld>
             <a:endParaRPr lang="en-US"/>
           </a:p>
         </p:txBody>
       </p:sp>
     </p:spTree>
-    <p:extLst>
-      <p:ext uri="{BB962C8B-B14F-4D97-AF65-F5344CB8AC3E}">
-        <p14:creationId xmlns:p14="http://schemas.microsoft.com/office/powerpoint/2010/main" val="687597283"/>
-      </p:ext>
-    </p:extLst>
   </p:cSld>
   <p:clrMapOvr>
     <a:masterClrMapping/>
@@ -1237,13 +1074,7 @@
       </p:grpSpPr>
       <p:sp>
         <p:nvSpPr>
-          <p:cNvPr id="2" name="Title 1">
-            <a:extLst>
-              <a:ext uri="{FF2B5EF4-FFF2-40B4-BE49-F238E27FC236}">
-                <a16:creationId xmlns:a16="http://schemas.microsoft.com/office/drawing/2014/main" id="{B2CFE991-99C5-8594-6BE8-9BA06DD3A1F9}"/>
-              </a:ext>
-            </a:extLst>
-          </p:cNvPr>
+          <p:cNvPr id="2" name="Title 1"/>
           <p:cNvSpPr>
             <a:spLocks noGrp="1"/>
           </p:cNvSpPr>
@@ -1260,18 +1091,13 @@
               <a:rPr lang="en-US"/>
               <a:t>Click to edit Master title style</a:t>
             </a:r>
-          </a:p>
-        </p:txBody>
-      </p:sp>
-      <p:sp>
-        <p:nvSpPr>
-          <p:cNvPr id="3" name="Content Placeholder 2">
-            <a:extLst>
-              <a:ext uri="{FF2B5EF4-FFF2-40B4-BE49-F238E27FC236}">
-                <a16:creationId xmlns:a16="http://schemas.microsoft.com/office/drawing/2014/main" id="{EC3E3482-8616-7EF5-2BC2-20D59983385D}"/>
-              </a:ext>
-            </a:extLst>
-          </p:cNvPr>
+            <a:endParaRPr lang="en-US"/>
+          </a:p>
+        </p:txBody>
+      </p:sp>
+      <p:sp>
+        <p:nvSpPr>
+          <p:cNvPr id="3" name="Content Placeholder 2"/>
           <p:cNvSpPr>
             <a:spLocks noGrp="1"/>
           </p:cNvSpPr>
@@ -1294,6 +1120,7 @@
               <a:rPr lang="en-US"/>
               <a:t>Click to edit Master text styles</a:t>
             </a:r>
+            <a:endParaRPr lang="en-US"/>
           </a:p>
           <a:p>
             <a:pPr lvl="1"/>
@@ -1301,6 +1128,7 @@
               <a:rPr lang="en-US"/>
               <a:t>Second level</a:t>
             </a:r>
+            <a:endParaRPr lang="en-US"/>
           </a:p>
           <a:p>
             <a:pPr lvl="2"/>
@@ -1308,6 +1136,7 @@
               <a:rPr lang="en-US"/>
               <a:t>Third level</a:t>
             </a:r>
+            <a:endParaRPr lang="en-US"/>
           </a:p>
           <a:p>
             <a:pPr lvl="3"/>
@@ -1315,6 +1144,7 @@
               <a:rPr lang="en-US"/>
               <a:t>Fourth level</a:t>
             </a:r>
+            <a:endParaRPr lang="en-US"/>
           </a:p>
           <a:p>
             <a:pPr lvl="4"/>
@@ -1322,18 +1152,13 @@
               <a:rPr lang="en-US"/>
               <a:t>Fifth level</a:t>
             </a:r>
-          </a:p>
-        </p:txBody>
-      </p:sp>
-      <p:sp>
-        <p:nvSpPr>
-          <p:cNvPr id="4" name="Content Placeholder 3">
-            <a:extLst>
-              <a:ext uri="{FF2B5EF4-FFF2-40B4-BE49-F238E27FC236}">
-                <a16:creationId xmlns:a16="http://schemas.microsoft.com/office/drawing/2014/main" id="{CA293763-74BD-BF87-A76E-CB82A2B4829E}"/>
-              </a:ext>
-            </a:extLst>
-          </p:cNvPr>
+            <a:endParaRPr lang="en-US"/>
+          </a:p>
+        </p:txBody>
+      </p:sp>
+      <p:sp>
+        <p:nvSpPr>
+          <p:cNvPr id="4" name="Content Placeholder 3"/>
           <p:cNvSpPr>
             <a:spLocks noGrp="1"/>
           </p:cNvSpPr>
@@ -1356,6 +1181,7 @@
               <a:rPr lang="en-US"/>
               <a:t>Click to edit Master text styles</a:t>
             </a:r>
+            <a:endParaRPr lang="en-US"/>
           </a:p>
           <a:p>
             <a:pPr lvl="1"/>
@@ -1363,6 +1189,7 @@
               <a:rPr lang="en-US"/>
               <a:t>Second level</a:t>
             </a:r>
+            <a:endParaRPr lang="en-US"/>
           </a:p>
           <a:p>
             <a:pPr lvl="2"/>
@@ -1370,6 +1197,7 @@
               <a:rPr lang="en-US"/>
               <a:t>Third level</a:t>
             </a:r>
+            <a:endParaRPr lang="en-US"/>
           </a:p>
           <a:p>
             <a:pPr lvl="3"/>
@@ -1377,6 +1205,7 @@
               <a:rPr lang="en-US"/>
               <a:t>Fourth level</a:t>
             </a:r>
+            <a:endParaRPr lang="en-US"/>
           </a:p>
           <a:p>
             <a:pPr lvl="4"/>
@@ -1384,18 +1213,13 @@
               <a:rPr lang="en-US"/>
               <a:t>Fifth level</a:t>
             </a:r>
-          </a:p>
-        </p:txBody>
-      </p:sp>
-      <p:sp>
-        <p:nvSpPr>
-          <p:cNvPr id="5" name="Date Placeholder 4">
-            <a:extLst>
-              <a:ext uri="{FF2B5EF4-FFF2-40B4-BE49-F238E27FC236}">
-                <a16:creationId xmlns:a16="http://schemas.microsoft.com/office/drawing/2014/main" id="{C0327E21-1FE9-AF34-1E7D-B606F6B4B8E4}"/>
-              </a:ext>
-            </a:extLst>
-          </p:cNvPr>
+            <a:endParaRPr lang="en-US"/>
+          </a:p>
+        </p:txBody>
+      </p:sp>
+      <p:sp>
+        <p:nvSpPr>
+          <p:cNvPr id="5" name="Date Placeholder 4"/>
           <p:cNvSpPr>
             <a:spLocks noGrp="1"/>
           </p:cNvSpPr>
@@ -1410,7 +1234,6 @@
           <a:p>
             <a:fld id="{04BA8741-4DC2-40D3-A36B-DAE6BC62F3B9}" type="datetimeFigureOut">
               <a:rPr lang="en-US" smtClean="0"/>
-              <a:t>8/27/2022</a:t>
             </a:fld>
             <a:endParaRPr lang="en-US"/>
           </a:p>
@@ -1418,13 +1241,7 @@
       </p:sp>
       <p:sp>
         <p:nvSpPr>
-          <p:cNvPr id="6" name="Footer Placeholder 5">
-            <a:extLst>
-              <a:ext uri="{FF2B5EF4-FFF2-40B4-BE49-F238E27FC236}">
-                <a16:creationId xmlns:a16="http://schemas.microsoft.com/office/drawing/2014/main" id="{BDD0D767-1424-3CE6-FBE2-2FFEB98EAB78}"/>
-              </a:ext>
-            </a:extLst>
-          </p:cNvPr>
+          <p:cNvPr id="6" name="Footer Placeholder 5"/>
           <p:cNvSpPr>
             <a:spLocks noGrp="1"/>
           </p:cNvSpPr>
@@ -1443,13 +1260,7 @@
       </p:sp>
       <p:sp>
         <p:nvSpPr>
-          <p:cNvPr id="7" name="Slide Number Placeholder 6">
-            <a:extLst>
-              <a:ext uri="{FF2B5EF4-FFF2-40B4-BE49-F238E27FC236}">
-                <a16:creationId xmlns:a16="http://schemas.microsoft.com/office/drawing/2014/main" id="{46897A42-B4FE-3D0A-A91E-DE541DE8DF98}"/>
-              </a:ext>
-            </a:extLst>
-          </p:cNvPr>
+          <p:cNvPr id="7" name="Slide Number Placeholder 6"/>
           <p:cNvSpPr>
             <a:spLocks noGrp="1"/>
           </p:cNvSpPr>
@@ -1464,18 +1275,12 @@
           <a:p>
             <a:fld id="{FB8A8BD5-E13F-466C-80AA-536FE389EF9A}" type="slidenum">
               <a:rPr lang="en-US" smtClean="0"/>
-              <a:t>‹#›</a:t>
             </a:fld>
             <a:endParaRPr lang="en-US"/>
           </a:p>
         </p:txBody>
       </p:sp>
     </p:spTree>
-    <p:extLst>
-      <p:ext uri="{BB962C8B-B14F-4D97-AF65-F5344CB8AC3E}">
-        <p14:creationId xmlns:p14="http://schemas.microsoft.com/office/powerpoint/2010/main" val="2416692141"/>
-      </p:ext>
-    </p:extLst>
   </p:cSld>
   <p:clrMapOvr>
     <a:masterClrMapping/>
@@ -1502,13 +1307,7 @@
       </p:grpSpPr>
       <p:sp>
         <p:nvSpPr>
-          <p:cNvPr id="2" name="Title 1">
-            <a:extLst>
-              <a:ext uri="{FF2B5EF4-FFF2-40B4-BE49-F238E27FC236}">
-                <a16:creationId xmlns:a16="http://schemas.microsoft.com/office/drawing/2014/main" id="{B9BE8409-9065-85A9-3F71-AFF9E7C0E582}"/>
-              </a:ext>
-            </a:extLst>
-          </p:cNvPr>
+          <p:cNvPr id="2" name="Title 1"/>
           <p:cNvSpPr>
             <a:spLocks noGrp="1"/>
           </p:cNvSpPr>
@@ -1530,18 +1329,13 @@
               <a:rPr lang="en-US"/>
               <a:t>Click to edit Master title style</a:t>
             </a:r>
-          </a:p>
-        </p:txBody>
-      </p:sp>
-      <p:sp>
-        <p:nvSpPr>
-          <p:cNvPr id="3" name="Text Placeholder 2">
-            <a:extLst>
-              <a:ext uri="{FF2B5EF4-FFF2-40B4-BE49-F238E27FC236}">
-                <a16:creationId xmlns:a16="http://schemas.microsoft.com/office/drawing/2014/main" id="{652CFB7C-0D29-1643-3041-F4D251EAFFF0}"/>
-              </a:ext>
-            </a:extLst>
-          </p:cNvPr>
+            <a:endParaRPr lang="en-US"/>
+          </a:p>
+        </p:txBody>
+      </p:sp>
+      <p:sp>
+        <p:nvSpPr>
+          <p:cNvPr id="3" name="Text Placeholder 2"/>
           <p:cNvSpPr>
             <a:spLocks noGrp="1"/>
           </p:cNvSpPr>
@@ -1601,18 +1395,13 @@
               <a:rPr lang="en-US"/>
               <a:t>Click to edit Master text styles</a:t>
             </a:r>
-          </a:p>
-        </p:txBody>
-      </p:sp>
-      <p:sp>
-        <p:nvSpPr>
-          <p:cNvPr id="4" name="Content Placeholder 3">
-            <a:extLst>
-              <a:ext uri="{FF2B5EF4-FFF2-40B4-BE49-F238E27FC236}">
-                <a16:creationId xmlns:a16="http://schemas.microsoft.com/office/drawing/2014/main" id="{42C35B61-FB9D-6C78-DD6E-39A90168CA9D}"/>
-              </a:ext>
-            </a:extLst>
-          </p:cNvPr>
+            <a:endParaRPr lang="en-US"/>
+          </a:p>
+        </p:txBody>
+      </p:sp>
+      <p:sp>
+        <p:nvSpPr>
+          <p:cNvPr id="4" name="Content Placeholder 3"/>
           <p:cNvSpPr>
             <a:spLocks noGrp="1"/>
           </p:cNvSpPr>
@@ -1635,6 +1424,7 @@
               <a:rPr lang="en-US"/>
               <a:t>Click to edit Master text styles</a:t>
             </a:r>
+            <a:endParaRPr lang="en-US"/>
           </a:p>
           <a:p>
             <a:pPr lvl="1"/>
@@ -1642,6 +1432,7 @@
               <a:rPr lang="en-US"/>
               <a:t>Second level</a:t>
             </a:r>
+            <a:endParaRPr lang="en-US"/>
           </a:p>
           <a:p>
             <a:pPr lvl="2"/>
@@ -1649,6 +1440,7 @@
               <a:rPr lang="en-US"/>
               <a:t>Third level</a:t>
             </a:r>
+            <a:endParaRPr lang="en-US"/>
           </a:p>
           <a:p>
             <a:pPr lvl="3"/>
@@ -1656,6 +1448,7 @@
               <a:rPr lang="en-US"/>
               <a:t>Fourth level</a:t>
             </a:r>
+            <a:endParaRPr lang="en-US"/>
           </a:p>
           <a:p>
             <a:pPr lvl="4"/>
@@ -1663,18 +1456,13 @@
               <a:rPr lang="en-US"/>
               <a:t>Fifth level</a:t>
             </a:r>
-          </a:p>
-        </p:txBody>
-      </p:sp>
-      <p:sp>
-        <p:nvSpPr>
-          <p:cNvPr id="5" name="Text Placeholder 4">
-            <a:extLst>
-              <a:ext uri="{FF2B5EF4-FFF2-40B4-BE49-F238E27FC236}">
-                <a16:creationId xmlns:a16="http://schemas.microsoft.com/office/drawing/2014/main" id="{6C8D8170-10AB-F7B2-5079-FEBC263936F6}"/>
-              </a:ext>
-            </a:extLst>
-          </p:cNvPr>
+            <a:endParaRPr lang="en-US"/>
+          </a:p>
+        </p:txBody>
+      </p:sp>
+      <p:sp>
+        <p:nvSpPr>
+          <p:cNvPr id="5" name="Text Placeholder 4"/>
           <p:cNvSpPr>
             <a:spLocks noGrp="1"/>
           </p:cNvSpPr>
@@ -1734,18 +1522,13 @@
               <a:rPr lang="en-US"/>
               <a:t>Click to edit Master text styles</a:t>
             </a:r>
-          </a:p>
-        </p:txBody>
-      </p:sp>
-      <p:sp>
-        <p:nvSpPr>
-          <p:cNvPr id="6" name="Content Placeholder 5">
-            <a:extLst>
-              <a:ext uri="{FF2B5EF4-FFF2-40B4-BE49-F238E27FC236}">
-                <a16:creationId xmlns:a16="http://schemas.microsoft.com/office/drawing/2014/main" id="{05B9EFED-A77B-F208-E13D-82643039630B}"/>
-              </a:ext>
-            </a:extLst>
-          </p:cNvPr>
+            <a:endParaRPr lang="en-US"/>
+          </a:p>
+        </p:txBody>
+      </p:sp>
+      <p:sp>
+        <p:nvSpPr>
+          <p:cNvPr id="6" name="Content Placeholder 5"/>
           <p:cNvSpPr>
             <a:spLocks noGrp="1"/>
           </p:cNvSpPr>
@@ -1768,6 +1551,7 @@
               <a:rPr lang="en-US"/>
               <a:t>Click to edit Master text styles</a:t>
             </a:r>
+            <a:endParaRPr lang="en-US"/>
           </a:p>
           <a:p>
             <a:pPr lvl="1"/>
@@ -1775,6 +1559,7 @@
               <a:rPr lang="en-US"/>
               <a:t>Second level</a:t>
             </a:r>
+            <a:endParaRPr lang="en-US"/>
           </a:p>
           <a:p>
             <a:pPr lvl="2"/>
@@ -1782,6 +1567,7 @@
               <a:rPr lang="en-US"/>
               <a:t>Third level</a:t>
             </a:r>
+            <a:endParaRPr lang="en-US"/>
           </a:p>
           <a:p>
             <a:pPr lvl="3"/>
@@ -1789,6 +1575,7 @@
               <a:rPr lang="en-US"/>
               <a:t>Fourth level</a:t>
             </a:r>
+            <a:endParaRPr lang="en-US"/>
           </a:p>
           <a:p>
             <a:pPr lvl="4"/>
@@ -1796,18 +1583,13 @@
               <a:rPr lang="en-US"/>
               <a:t>Fifth level</a:t>
             </a:r>
-          </a:p>
-        </p:txBody>
-      </p:sp>
-      <p:sp>
-        <p:nvSpPr>
-          <p:cNvPr id="7" name="Date Placeholder 6">
-            <a:extLst>
-              <a:ext uri="{FF2B5EF4-FFF2-40B4-BE49-F238E27FC236}">
-                <a16:creationId xmlns:a16="http://schemas.microsoft.com/office/drawing/2014/main" id="{181064E7-9223-7AF8-A776-E3B24020819A}"/>
-              </a:ext>
-            </a:extLst>
-          </p:cNvPr>
+            <a:endParaRPr lang="en-US"/>
+          </a:p>
+        </p:txBody>
+      </p:sp>
+      <p:sp>
+        <p:nvSpPr>
+          <p:cNvPr id="7" name="Date Placeholder 6"/>
           <p:cNvSpPr>
             <a:spLocks noGrp="1"/>
           </p:cNvSpPr>
@@ -1822,7 +1604,6 @@
           <a:p>
             <a:fld id="{04BA8741-4DC2-40D3-A36B-DAE6BC62F3B9}" type="datetimeFigureOut">
               <a:rPr lang="en-US" smtClean="0"/>
-              <a:t>8/27/2022</a:t>
             </a:fld>
             <a:endParaRPr lang="en-US"/>
           </a:p>
@@ -1830,13 +1611,7 @@
       </p:sp>
       <p:sp>
         <p:nvSpPr>
-          <p:cNvPr id="8" name="Footer Placeholder 7">
-            <a:extLst>
-              <a:ext uri="{FF2B5EF4-FFF2-40B4-BE49-F238E27FC236}">
-                <a16:creationId xmlns:a16="http://schemas.microsoft.com/office/drawing/2014/main" id="{98B2AC39-BB60-9C0D-CAAF-10F60E1C5E1D}"/>
-              </a:ext>
-            </a:extLst>
-          </p:cNvPr>
+          <p:cNvPr id="8" name="Footer Placeholder 7"/>
           <p:cNvSpPr>
             <a:spLocks noGrp="1"/>
           </p:cNvSpPr>
@@ -1855,13 +1630,7 @@
       </p:sp>
       <p:sp>
         <p:nvSpPr>
-          <p:cNvPr id="9" name="Slide Number Placeholder 8">
-            <a:extLst>
-              <a:ext uri="{FF2B5EF4-FFF2-40B4-BE49-F238E27FC236}">
-                <a16:creationId xmlns:a16="http://schemas.microsoft.com/office/drawing/2014/main" id="{356A030B-3D7D-3E4F-904D-F53E6C1A184B}"/>
-              </a:ext>
-            </a:extLst>
-          </p:cNvPr>
+          <p:cNvPr id="9" name="Slide Number Placeholder 8"/>
           <p:cNvSpPr>
             <a:spLocks noGrp="1"/>
           </p:cNvSpPr>
@@ -1876,18 +1645,12 @@
           <a:p>
             <a:fld id="{FB8A8BD5-E13F-466C-80AA-536FE389EF9A}" type="slidenum">
               <a:rPr lang="en-US" smtClean="0"/>
-              <a:t>‹#›</a:t>
             </a:fld>
             <a:endParaRPr lang="en-US"/>
           </a:p>
         </p:txBody>
       </p:sp>
     </p:spTree>
-    <p:extLst>
-      <p:ext uri="{BB962C8B-B14F-4D97-AF65-F5344CB8AC3E}">
-        <p14:creationId xmlns:p14="http://schemas.microsoft.com/office/powerpoint/2010/main" val="3599026309"/>
-      </p:ext>
-    </p:extLst>
   </p:cSld>
   <p:clrMapOvr>
     <a:masterClrMapping/>
@@ -1914,13 +1677,7 @@
       </p:grpSpPr>
       <p:sp>
         <p:nvSpPr>
-          <p:cNvPr id="2" name="Title 1">
-            <a:extLst>
-              <a:ext uri="{FF2B5EF4-FFF2-40B4-BE49-F238E27FC236}">
-                <a16:creationId xmlns:a16="http://schemas.microsoft.com/office/drawing/2014/main" id="{08EFB201-218D-D3BF-0111-5AE382C4C133}"/>
-              </a:ext>
-            </a:extLst>
-          </p:cNvPr>
+          <p:cNvPr id="2" name="Title 1"/>
           <p:cNvSpPr>
             <a:spLocks noGrp="1"/>
           </p:cNvSpPr>
@@ -1937,18 +1694,13 @@
               <a:rPr lang="en-US"/>
               <a:t>Click to edit Master title style</a:t>
             </a:r>
-          </a:p>
-        </p:txBody>
-      </p:sp>
-      <p:sp>
-        <p:nvSpPr>
-          <p:cNvPr id="3" name="Date Placeholder 2">
-            <a:extLst>
-              <a:ext uri="{FF2B5EF4-FFF2-40B4-BE49-F238E27FC236}">
-                <a16:creationId xmlns:a16="http://schemas.microsoft.com/office/drawing/2014/main" id="{B42D62C7-0DC2-0708-2269-37D540F6BB18}"/>
-              </a:ext>
-            </a:extLst>
-          </p:cNvPr>
+            <a:endParaRPr lang="en-US"/>
+          </a:p>
+        </p:txBody>
+      </p:sp>
+      <p:sp>
+        <p:nvSpPr>
+          <p:cNvPr id="3" name="Date Placeholder 2"/>
           <p:cNvSpPr>
             <a:spLocks noGrp="1"/>
           </p:cNvSpPr>
@@ -1963,7 +1715,6 @@
           <a:p>
             <a:fld id="{04BA8741-4DC2-40D3-A36B-DAE6BC62F3B9}" type="datetimeFigureOut">
               <a:rPr lang="en-US" smtClean="0"/>
-              <a:t>8/27/2022</a:t>
             </a:fld>
             <a:endParaRPr lang="en-US"/>
           </a:p>
@@ -1971,13 +1722,7 @@
       </p:sp>
       <p:sp>
         <p:nvSpPr>
-          <p:cNvPr id="4" name="Footer Placeholder 3">
-            <a:extLst>
-              <a:ext uri="{FF2B5EF4-FFF2-40B4-BE49-F238E27FC236}">
-                <a16:creationId xmlns:a16="http://schemas.microsoft.com/office/drawing/2014/main" id="{8F64DDB1-E5DD-7D8C-0AE6-1151AB80B4AB}"/>
-              </a:ext>
-            </a:extLst>
-          </p:cNvPr>
+          <p:cNvPr id="4" name="Footer Placeholder 3"/>
           <p:cNvSpPr>
             <a:spLocks noGrp="1"/>
           </p:cNvSpPr>
@@ -1996,13 +1741,7 @@
       </p:sp>
       <p:sp>
         <p:nvSpPr>
-          <p:cNvPr id="5" name="Slide Number Placeholder 4">
-            <a:extLst>
-              <a:ext uri="{FF2B5EF4-FFF2-40B4-BE49-F238E27FC236}">
-                <a16:creationId xmlns:a16="http://schemas.microsoft.com/office/drawing/2014/main" id="{F7C3A4D6-D4CC-0D00-5086-1A98D91E1F9D}"/>
-              </a:ext>
-            </a:extLst>
-          </p:cNvPr>
+          <p:cNvPr id="5" name="Slide Number Placeholder 4"/>
           <p:cNvSpPr>
             <a:spLocks noGrp="1"/>
           </p:cNvSpPr>
@@ -2017,18 +1756,12 @@
           <a:p>
             <a:fld id="{FB8A8BD5-E13F-466C-80AA-536FE389EF9A}" type="slidenum">
               <a:rPr lang="en-US" smtClean="0"/>
-              <a:t>‹#›</a:t>
             </a:fld>
             <a:endParaRPr lang="en-US"/>
           </a:p>
         </p:txBody>
       </p:sp>
     </p:spTree>
-    <p:extLst>
-      <p:ext uri="{BB962C8B-B14F-4D97-AF65-F5344CB8AC3E}">
-        <p14:creationId xmlns:p14="http://schemas.microsoft.com/office/powerpoint/2010/main" val="3516353527"/>
-      </p:ext>
-    </p:extLst>
   </p:cSld>
   <p:clrMapOvr>
     <a:masterClrMapping/>
@@ -2055,13 +1788,7 @@
       </p:grpSpPr>
       <p:sp>
         <p:nvSpPr>
-          <p:cNvPr id="2" name="Date Placeholder 1">
-            <a:extLst>
-              <a:ext uri="{FF2B5EF4-FFF2-40B4-BE49-F238E27FC236}">
-                <a16:creationId xmlns:a16="http://schemas.microsoft.com/office/drawing/2014/main" id="{E06D5231-2B2B-E59D-B69B-ADE15E2ECFDD}"/>
-              </a:ext>
-            </a:extLst>
-          </p:cNvPr>
+          <p:cNvPr id="2" name="Date Placeholder 1"/>
           <p:cNvSpPr>
             <a:spLocks noGrp="1"/>
           </p:cNvSpPr>
@@ -2076,7 +1803,6 @@
           <a:p>
             <a:fld id="{04BA8741-4DC2-40D3-A36B-DAE6BC62F3B9}" type="datetimeFigureOut">
               <a:rPr lang="en-US" smtClean="0"/>
-              <a:t>8/27/2022</a:t>
             </a:fld>
             <a:endParaRPr lang="en-US"/>
           </a:p>
@@ -2084,13 +1810,7 @@
       </p:sp>
       <p:sp>
         <p:nvSpPr>
-          <p:cNvPr id="3" name="Footer Placeholder 2">
-            <a:extLst>
-              <a:ext uri="{FF2B5EF4-FFF2-40B4-BE49-F238E27FC236}">
-                <a16:creationId xmlns:a16="http://schemas.microsoft.com/office/drawing/2014/main" id="{86B4F034-E6B9-69C3-6BB7-93B455D6E40D}"/>
-              </a:ext>
-            </a:extLst>
-          </p:cNvPr>
+          <p:cNvPr id="3" name="Footer Placeholder 2"/>
           <p:cNvSpPr>
             <a:spLocks noGrp="1"/>
           </p:cNvSpPr>
@@ -2109,13 +1829,7 @@
       </p:sp>
       <p:sp>
         <p:nvSpPr>
-          <p:cNvPr id="4" name="Slide Number Placeholder 3">
-            <a:extLst>
-              <a:ext uri="{FF2B5EF4-FFF2-40B4-BE49-F238E27FC236}">
-                <a16:creationId xmlns:a16="http://schemas.microsoft.com/office/drawing/2014/main" id="{3C1D160F-EB39-2D38-B00D-2F70862A6C71}"/>
-              </a:ext>
-            </a:extLst>
-          </p:cNvPr>
+          <p:cNvPr id="4" name="Slide Number Placeholder 3"/>
           <p:cNvSpPr>
             <a:spLocks noGrp="1"/>
           </p:cNvSpPr>
@@ -2130,18 +1844,12 @@
           <a:p>
             <a:fld id="{FB8A8BD5-E13F-466C-80AA-536FE389EF9A}" type="slidenum">
               <a:rPr lang="en-US" smtClean="0"/>
-              <a:t>‹#›</a:t>
             </a:fld>
             <a:endParaRPr lang="en-US"/>
           </a:p>
         </p:txBody>
       </p:sp>
     </p:spTree>
-    <p:extLst>
-      <p:ext uri="{BB962C8B-B14F-4D97-AF65-F5344CB8AC3E}">
-        <p14:creationId xmlns:p14="http://schemas.microsoft.com/office/powerpoint/2010/main" val="374139153"/>
-      </p:ext>
-    </p:extLst>
   </p:cSld>
   <p:clrMapOvr>
     <a:masterClrMapping/>
@@ -2168,13 +1876,7 @@
       </p:grpSpPr>
       <p:sp>
         <p:nvSpPr>
-          <p:cNvPr id="2" name="Title 1">
-            <a:extLst>
-              <a:ext uri="{FF2B5EF4-FFF2-40B4-BE49-F238E27FC236}">
-                <a16:creationId xmlns:a16="http://schemas.microsoft.com/office/drawing/2014/main" id="{6318B7A4-8AA8-5540-5AC0-3D074EA9DBEF}"/>
-              </a:ext>
-            </a:extLst>
-          </p:cNvPr>
+          <p:cNvPr id="2" name="Title 1"/>
           <p:cNvSpPr>
             <a:spLocks noGrp="1"/>
           </p:cNvSpPr>
@@ -2200,18 +1902,13 @@
               <a:rPr lang="en-US"/>
               <a:t>Click to edit Master title style</a:t>
             </a:r>
-          </a:p>
-        </p:txBody>
-      </p:sp>
-      <p:sp>
-        <p:nvSpPr>
-          <p:cNvPr id="3" name="Content Placeholder 2">
-            <a:extLst>
-              <a:ext uri="{FF2B5EF4-FFF2-40B4-BE49-F238E27FC236}">
-                <a16:creationId xmlns:a16="http://schemas.microsoft.com/office/drawing/2014/main" id="{D9452C39-F162-11FC-55C6-C6516336EC91}"/>
-              </a:ext>
-            </a:extLst>
-          </p:cNvPr>
+            <a:endParaRPr lang="en-US"/>
+          </a:p>
+        </p:txBody>
+      </p:sp>
+      <p:sp>
+        <p:nvSpPr>
+          <p:cNvPr id="3" name="Content Placeholder 2"/>
           <p:cNvSpPr>
             <a:spLocks noGrp="1"/>
           </p:cNvSpPr>
@@ -2262,6 +1959,7 @@
               <a:rPr lang="en-US"/>
               <a:t>Click to edit Master text styles</a:t>
             </a:r>
+            <a:endParaRPr lang="en-US"/>
           </a:p>
           <a:p>
             <a:pPr lvl="1"/>
@@ -2269,6 +1967,7 @@
               <a:rPr lang="en-US"/>
               <a:t>Second level</a:t>
             </a:r>
+            <a:endParaRPr lang="en-US"/>
           </a:p>
           <a:p>
             <a:pPr lvl="2"/>
@@ -2276,6 +1975,7 @@
               <a:rPr lang="en-US"/>
               <a:t>Third level</a:t>
             </a:r>
+            <a:endParaRPr lang="en-US"/>
           </a:p>
           <a:p>
             <a:pPr lvl="3"/>
@@ -2283,6 +1983,7 @@
               <a:rPr lang="en-US"/>
               <a:t>Fourth level</a:t>
             </a:r>
+            <a:endParaRPr lang="en-US"/>
           </a:p>
           <a:p>
             <a:pPr lvl="4"/>
@@ -2290,18 +1991,13 @@
               <a:rPr lang="en-US"/>
               <a:t>Fifth level</a:t>
             </a:r>
-          </a:p>
-        </p:txBody>
-      </p:sp>
-      <p:sp>
-        <p:nvSpPr>
-          <p:cNvPr id="4" name="Text Placeholder 3">
-            <a:extLst>
-              <a:ext uri="{FF2B5EF4-FFF2-40B4-BE49-F238E27FC236}">
-                <a16:creationId xmlns:a16="http://schemas.microsoft.com/office/drawing/2014/main" id="{A2CC8180-71C4-57CA-E1AC-12F75A382E1A}"/>
-              </a:ext>
-            </a:extLst>
-          </p:cNvPr>
+            <a:endParaRPr lang="en-US"/>
+          </a:p>
+        </p:txBody>
+      </p:sp>
+      <p:sp>
+        <p:nvSpPr>
+          <p:cNvPr id="4" name="Text Placeholder 3"/>
           <p:cNvSpPr>
             <a:spLocks noGrp="1"/>
           </p:cNvSpPr>
@@ -2361,18 +2057,13 @@
               <a:rPr lang="en-US"/>
               <a:t>Click to edit Master text styles</a:t>
             </a:r>
-          </a:p>
-        </p:txBody>
-      </p:sp>
-      <p:sp>
-        <p:nvSpPr>
-          <p:cNvPr id="5" name="Date Placeholder 4">
-            <a:extLst>
-              <a:ext uri="{FF2B5EF4-FFF2-40B4-BE49-F238E27FC236}">
-                <a16:creationId xmlns:a16="http://schemas.microsoft.com/office/drawing/2014/main" id="{10E8690C-C499-C85E-FE48-4FFB81C65FF6}"/>
-              </a:ext>
-            </a:extLst>
-          </p:cNvPr>
+            <a:endParaRPr lang="en-US"/>
+          </a:p>
+        </p:txBody>
+      </p:sp>
+      <p:sp>
+        <p:nvSpPr>
+          <p:cNvPr id="5" name="Date Placeholder 4"/>
           <p:cNvSpPr>
             <a:spLocks noGrp="1"/>
           </p:cNvSpPr>
@@ -2387,7 +2078,6 @@
           <a:p>
             <a:fld id="{04BA8741-4DC2-40D3-A36B-DAE6BC62F3B9}" type="datetimeFigureOut">
               <a:rPr lang="en-US" smtClean="0"/>
-              <a:t>8/27/2022</a:t>
             </a:fld>
             <a:endParaRPr lang="en-US"/>
           </a:p>
@@ -2395,13 +2085,7 @@
       </p:sp>
       <p:sp>
         <p:nvSpPr>
-          <p:cNvPr id="6" name="Footer Placeholder 5">
-            <a:extLst>
-              <a:ext uri="{FF2B5EF4-FFF2-40B4-BE49-F238E27FC236}">
-                <a16:creationId xmlns:a16="http://schemas.microsoft.com/office/drawing/2014/main" id="{4769C421-0B0B-5A15-ADDE-58200566F5AE}"/>
-              </a:ext>
-            </a:extLst>
-          </p:cNvPr>
+          <p:cNvPr id="6" name="Footer Placeholder 5"/>
           <p:cNvSpPr>
             <a:spLocks noGrp="1"/>
           </p:cNvSpPr>
@@ -2420,13 +2104,7 @@
       </p:sp>
       <p:sp>
         <p:nvSpPr>
-          <p:cNvPr id="7" name="Slide Number Placeholder 6">
-            <a:extLst>
-              <a:ext uri="{FF2B5EF4-FFF2-40B4-BE49-F238E27FC236}">
-                <a16:creationId xmlns:a16="http://schemas.microsoft.com/office/drawing/2014/main" id="{60CE5A5B-381C-0722-5FAF-5655D605C494}"/>
-              </a:ext>
-            </a:extLst>
-          </p:cNvPr>
+          <p:cNvPr id="7" name="Slide Number Placeholder 6"/>
           <p:cNvSpPr>
             <a:spLocks noGrp="1"/>
           </p:cNvSpPr>
@@ -2441,18 +2119,12 @@
           <a:p>
             <a:fld id="{FB8A8BD5-E13F-466C-80AA-536FE389EF9A}" type="slidenum">
               <a:rPr lang="en-US" smtClean="0"/>
-              <a:t>‹#›</a:t>
             </a:fld>
             <a:endParaRPr lang="en-US"/>
           </a:p>
         </p:txBody>
       </p:sp>
     </p:spTree>
-    <p:extLst>
-      <p:ext uri="{BB962C8B-B14F-4D97-AF65-F5344CB8AC3E}">
-        <p14:creationId xmlns:p14="http://schemas.microsoft.com/office/powerpoint/2010/main" val="3963460352"/>
-      </p:ext>
-    </p:extLst>
   </p:cSld>
   <p:clrMapOvr>
     <a:masterClrMapping/>
@@ -2479,13 +2151,7 @@
       </p:grpSpPr>
       <p:sp>
         <p:nvSpPr>
-          <p:cNvPr id="2" name="Title 1">
-            <a:extLst>
-              <a:ext uri="{FF2B5EF4-FFF2-40B4-BE49-F238E27FC236}">
-                <a16:creationId xmlns:a16="http://schemas.microsoft.com/office/drawing/2014/main" id="{A9558191-0118-6BEF-4283-989737A3E2ED}"/>
-              </a:ext>
-            </a:extLst>
-          </p:cNvPr>
+          <p:cNvPr id="2" name="Title 1"/>
           <p:cNvSpPr>
             <a:spLocks noGrp="1"/>
           </p:cNvSpPr>
@@ -2511,18 +2177,13 @@
               <a:rPr lang="en-US"/>
               <a:t>Click to edit Master title style</a:t>
             </a:r>
-          </a:p>
-        </p:txBody>
-      </p:sp>
-      <p:sp>
-        <p:nvSpPr>
-          <p:cNvPr id="3" name="Picture Placeholder 2">
-            <a:extLst>
-              <a:ext uri="{FF2B5EF4-FFF2-40B4-BE49-F238E27FC236}">
-                <a16:creationId xmlns:a16="http://schemas.microsoft.com/office/drawing/2014/main" id="{B1655BFC-3DC4-BF15-5A2B-97F8094586FF}"/>
-              </a:ext>
-            </a:extLst>
-          </p:cNvPr>
+            <a:endParaRPr lang="en-US"/>
+          </a:p>
+        </p:txBody>
+      </p:sp>
+      <p:sp>
+        <p:nvSpPr>
+          <p:cNvPr id="3" name="Picture Placeholder 2"/>
           <p:cNvSpPr>
             <a:spLocks noGrp="1"/>
           </p:cNvSpPr>
@@ -2583,13 +2244,7 @@
       </p:sp>
       <p:sp>
         <p:nvSpPr>
-          <p:cNvPr id="4" name="Text Placeholder 3">
-            <a:extLst>
-              <a:ext uri="{FF2B5EF4-FFF2-40B4-BE49-F238E27FC236}">
-                <a16:creationId xmlns:a16="http://schemas.microsoft.com/office/drawing/2014/main" id="{289EB80A-42E1-6A8F-2FAE-39B2BFDEA788}"/>
-              </a:ext>
-            </a:extLst>
-          </p:cNvPr>
+          <p:cNvPr id="4" name="Text Placeholder 3"/>
           <p:cNvSpPr>
             <a:spLocks noGrp="1"/>
           </p:cNvSpPr>
@@ -2649,18 +2304,13 @@
               <a:rPr lang="en-US"/>
               <a:t>Click to edit Master text styles</a:t>
             </a:r>
-          </a:p>
-        </p:txBody>
-      </p:sp>
-      <p:sp>
-        <p:nvSpPr>
-          <p:cNvPr id="5" name="Date Placeholder 4">
-            <a:extLst>
-              <a:ext uri="{FF2B5EF4-FFF2-40B4-BE49-F238E27FC236}">
-                <a16:creationId xmlns:a16="http://schemas.microsoft.com/office/drawing/2014/main" id="{3580EB31-B55F-BD59-B699-404DEC232609}"/>
-              </a:ext>
-            </a:extLst>
-          </p:cNvPr>
+            <a:endParaRPr lang="en-US"/>
+          </a:p>
+        </p:txBody>
+      </p:sp>
+      <p:sp>
+        <p:nvSpPr>
+          <p:cNvPr id="5" name="Date Placeholder 4"/>
           <p:cNvSpPr>
             <a:spLocks noGrp="1"/>
           </p:cNvSpPr>
@@ -2675,7 +2325,6 @@
           <a:p>
             <a:fld id="{04BA8741-4DC2-40D3-A36B-DAE6BC62F3B9}" type="datetimeFigureOut">
               <a:rPr lang="en-US" smtClean="0"/>
-              <a:t>8/27/2022</a:t>
             </a:fld>
             <a:endParaRPr lang="en-US"/>
           </a:p>
@@ -2683,13 +2332,7 @@
       </p:sp>
       <p:sp>
         <p:nvSpPr>
-          <p:cNvPr id="6" name="Footer Placeholder 5">
-            <a:extLst>
-              <a:ext uri="{FF2B5EF4-FFF2-40B4-BE49-F238E27FC236}">
-                <a16:creationId xmlns:a16="http://schemas.microsoft.com/office/drawing/2014/main" id="{68FA2B56-8E3E-5400-6ED7-E98F4AFC9D6F}"/>
-              </a:ext>
-            </a:extLst>
-          </p:cNvPr>
+          <p:cNvPr id="6" name="Footer Placeholder 5"/>
           <p:cNvSpPr>
             <a:spLocks noGrp="1"/>
           </p:cNvSpPr>
@@ -2708,13 +2351,7 @@
       </p:sp>
       <p:sp>
         <p:nvSpPr>
-          <p:cNvPr id="7" name="Slide Number Placeholder 6">
-            <a:extLst>
-              <a:ext uri="{FF2B5EF4-FFF2-40B4-BE49-F238E27FC236}">
-                <a16:creationId xmlns:a16="http://schemas.microsoft.com/office/drawing/2014/main" id="{A0294A18-CCD7-14E6-BD26-90017E9FAAC6}"/>
-              </a:ext>
-            </a:extLst>
-          </p:cNvPr>
+          <p:cNvPr id="7" name="Slide Number Placeholder 6"/>
           <p:cNvSpPr>
             <a:spLocks noGrp="1"/>
           </p:cNvSpPr>
@@ -2729,18 +2366,12 @@
           <a:p>
             <a:fld id="{FB8A8BD5-E13F-466C-80AA-536FE389EF9A}" type="slidenum">
               <a:rPr lang="en-US" smtClean="0"/>
-              <a:t>‹#›</a:t>
             </a:fld>
             <a:endParaRPr lang="en-US"/>
           </a:p>
         </p:txBody>
       </p:sp>
     </p:spTree>
-    <p:extLst>
-      <p:ext uri="{BB962C8B-B14F-4D97-AF65-F5344CB8AC3E}">
-        <p14:creationId xmlns:p14="http://schemas.microsoft.com/office/powerpoint/2010/main" val="3089513347"/>
-      </p:ext>
-    </p:extLst>
   </p:cSld>
   <p:clrMapOvr>
     <a:masterClrMapping/>
@@ -2754,7 +2385,7 @@
     <p:bg>
       <p:bgPr>
         <a:blipFill dpi="0" rotWithShape="1">
-          <a:blip r:embed="rId13">
+          <a:blip r:embed="rId12">
             <a:lum/>
           </a:blip>
           <a:srcRect/>
@@ -2781,13 +2412,7 @@
       </p:grpSpPr>
       <p:sp>
         <p:nvSpPr>
-          <p:cNvPr id="2" name="Title Placeholder 1">
-            <a:extLst>
-              <a:ext uri="{FF2B5EF4-FFF2-40B4-BE49-F238E27FC236}">
-                <a16:creationId xmlns:a16="http://schemas.microsoft.com/office/drawing/2014/main" id="{92B159CA-4685-6888-6AFF-216F01CA0EEC}"/>
-              </a:ext>
-            </a:extLst>
-          </p:cNvPr>
+          <p:cNvPr id="2" name="Title Placeholder 1"/>
           <p:cNvSpPr>
             <a:spLocks noGrp="1"/>
           </p:cNvSpPr>
@@ -2814,18 +2439,13 @@
               <a:rPr lang="en-US"/>
               <a:t>Click to edit Master title style</a:t>
             </a:r>
-          </a:p>
-        </p:txBody>
-      </p:sp>
-      <p:sp>
-        <p:nvSpPr>
-          <p:cNvPr id="3" name="Text Placeholder 2">
-            <a:extLst>
-              <a:ext uri="{FF2B5EF4-FFF2-40B4-BE49-F238E27FC236}">
-                <a16:creationId xmlns:a16="http://schemas.microsoft.com/office/drawing/2014/main" id="{8355C337-4E7C-CB69-A0EE-4BE3CFF5F527}"/>
-              </a:ext>
-            </a:extLst>
-          </p:cNvPr>
+            <a:endParaRPr lang="en-US"/>
+          </a:p>
+        </p:txBody>
+      </p:sp>
+      <p:sp>
+        <p:nvSpPr>
+          <p:cNvPr id="3" name="Text Placeholder 2"/>
           <p:cNvSpPr>
             <a:spLocks noGrp="1"/>
           </p:cNvSpPr>
@@ -2853,6 +2473,7 @@
               <a:rPr lang="en-US"/>
               <a:t>Click to edit Master text styles</a:t>
             </a:r>
+            <a:endParaRPr lang="en-US"/>
           </a:p>
           <a:p>
             <a:pPr lvl="1"/>
@@ -2860,6 +2481,7 @@
               <a:rPr lang="en-US"/>
               <a:t>Second level</a:t>
             </a:r>
+            <a:endParaRPr lang="en-US"/>
           </a:p>
           <a:p>
             <a:pPr lvl="2"/>
@@ -2867,6 +2489,7 @@
               <a:rPr lang="en-US"/>
               <a:t>Third level</a:t>
             </a:r>
+            <a:endParaRPr lang="en-US"/>
           </a:p>
           <a:p>
             <a:pPr lvl="3"/>
@@ -2874,6 +2497,7 @@
               <a:rPr lang="en-US"/>
               <a:t>Fourth level</a:t>
             </a:r>
+            <a:endParaRPr lang="en-US"/>
           </a:p>
           <a:p>
             <a:pPr lvl="4"/>
@@ -2881,18 +2505,13 @@
               <a:rPr lang="en-US"/>
               <a:t>Fifth level</a:t>
             </a:r>
-          </a:p>
-        </p:txBody>
-      </p:sp>
-      <p:sp>
-        <p:nvSpPr>
-          <p:cNvPr id="4" name="Date Placeholder 3">
-            <a:extLst>
-              <a:ext uri="{FF2B5EF4-FFF2-40B4-BE49-F238E27FC236}">
-                <a16:creationId xmlns:a16="http://schemas.microsoft.com/office/drawing/2014/main" id="{AB03F1EF-4C77-CFFE-35AD-74246BF8120E}"/>
-              </a:ext>
-            </a:extLst>
-          </p:cNvPr>
+            <a:endParaRPr lang="en-US"/>
+          </a:p>
+        </p:txBody>
+      </p:sp>
+      <p:sp>
+        <p:nvSpPr>
+          <p:cNvPr id="4" name="Date Placeholder 3"/>
           <p:cNvSpPr>
             <a:spLocks noGrp="1"/>
           </p:cNvSpPr>
@@ -2925,7 +2544,6 @@
           <a:p>
             <a:fld id="{04BA8741-4DC2-40D3-A36B-DAE6BC62F3B9}" type="datetimeFigureOut">
               <a:rPr lang="en-US" smtClean="0"/>
-              <a:t>8/27/2022</a:t>
             </a:fld>
             <a:endParaRPr lang="en-US"/>
           </a:p>
@@ -2933,13 +2551,7 @@
       </p:sp>
       <p:sp>
         <p:nvSpPr>
-          <p:cNvPr id="5" name="Footer Placeholder 4">
-            <a:extLst>
-              <a:ext uri="{FF2B5EF4-FFF2-40B4-BE49-F238E27FC236}">
-                <a16:creationId xmlns:a16="http://schemas.microsoft.com/office/drawing/2014/main" id="{81CE2399-15DC-833F-EA36-FFB7C47B500B}"/>
-              </a:ext>
-            </a:extLst>
-          </p:cNvPr>
+          <p:cNvPr id="5" name="Footer Placeholder 4"/>
           <p:cNvSpPr>
             <a:spLocks noGrp="1"/>
           </p:cNvSpPr>
@@ -2976,13 +2588,7 @@
       </p:sp>
       <p:sp>
         <p:nvSpPr>
-          <p:cNvPr id="6" name="Slide Number Placeholder 5">
-            <a:extLst>
-              <a:ext uri="{FF2B5EF4-FFF2-40B4-BE49-F238E27FC236}">
-                <a16:creationId xmlns:a16="http://schemas.microsoft.com/office/drawing/2014/main" id="{CF620B45-E391-06D0-DFFF-2F224A45626E}"/>
-              </a:ext>
-            </a:extLst>
-          </p:cNvPr>
+          <p:cNvPr id="6" name="Slide Number Placeholder 5"/>
           <p:cNvSpPr>
             <a:spLocks noGrp="1"/>
           </p:cNvSpPr>
@@ -3015,18 +2621,12 @@
           <a:p>
             <a:fld id="{FB8A8BD5-E13F-466C-80AA-536FE389EF9A}" type="slidenum">
               <a:rPr lang="en-US" smtClean="0"/>
-              <a:t>‹#›</a:t>
             </a:fld>
             <a:endParaRPr lang="en-US"/>
           </a:p>
         </p:txBody>
       </p:sp>
     </p:spTree>
-    <p:extLst>
-      <p:ext uri="{BB962C8B-B14F-4D97-AF65-F5344CB8AC3E}">
-        <p14:creationId xmlns:p14="http://schemas.microsoft.com/office/powerpoint/2010/main" val="759488998"/>
-      </p:ext>
-    </p:extLst>
   </p:cSld>
   <p:clrMap bg1="lt1" tx1="dk1" bg2="lt2" tx2="dk2" accent1="accent1" accent2="accent2" accent3="accent3" accent4="accent4" accent5="accent5" accent6="accent6" hlink="hlink" folHlink="folHlink"/>
   <p:sldLayoutIdLst>
@@ -3070,7 +2670,7 @@
         <a:spcBef>
           <a:spcPts val="1000"/>
         </a:spcBef>
-        <a:buFont typeface="Arial" panose="020B0604020202020204" pitchFamily="34" charset="0"/>
+        <a:buFont typeface="Arial" panose="020B0604020202090204" pitchFamily="34" charset="0"/>
         <a:buChar char="•"/>
         <a:defRPr sz="2800" kern="1200">
           <a:solidFill>
@@ -3088,7 +2688,7 @@
         <a:spcBef>
           <a:spcPts val="500"/>
         </a:spcBef>
-        <a:buFont typeface="Arial" panose="020B0604020202020204" pitchFamily="34" charset="0"/>
+        <a:buFont typeface="Arial" panose="020B0604020202090204" pitchFamily="34" charset="0"/>
         <a:buChar char="•"/>
         <a:defRPr sz="2400" kern="1200">
           <a:solidFill>
@@ -3106,7 +2706,7 @@
         <a:spcBef>
           <a:spcPts val="500"/>
         </a:spcBef>
-        <a:buFont typeface="Arial" panose="020B0604020202020204" pitchFamily="34" charset="0"/>
+        <a:buFont typeface="Arial" panose="020B0604020202090204" pitchFamily="34" charset="0"/>
         <a:buChar char="•"/>
         <a:defRPr sz="2000" kern="1200">
           <a:solidFill>
@@ -3124,7 +2724,7 @@
         <a:spcBef>
           <a:spcPts val="500"/>
         </a:spcBef>
-        <a:buFont typeface="Arial" panose="020B0604020202020204" pitchFamily="34" charset="0"/>
+        <a:buFont typeface="Arial" panose="020B0604020202090204" pitchFamily="34" charset="0"/>
         <a:buChar char="•"/>
         <a:defRPr sz="1800" kern="1200">
           <a:solidFill>
@@ -3142,7 +2742,7 @@
         <a:spcBef>
           <a:spcPts val="500"/>
         </a:spcBef>
-        <a:buFont typeface="Arial" panose="020B0604020202020204" pitchFamily="34" charset="0"/>
+        <a:buFont typeface="Arial" panose="020B0604020202090204" pitchFamily="34" charset="0"/>
         <a:buChar char="•"/>
         <a:defRPr sz="1800" kern="1200">
           <a:solidFill>
@@ -3160,7 +2760,7 @@
         <a:spcBef>
           <a:spcPts val="500"/>
         </a:spcBef>
-        <a:buFont typeface="Arial" panose="020B0604020202020204" pitchFamily="34" charset="0"/>
+        <a:buFont typeface="Arial" panose="020B0604020202090204" pitchFamily="34" charset="0"/>
         <a:buChar char="•"/>
         <a:defRPr sz="1800" kern="1200">
           <a:solidFill>
@@ -3178,7 +2778,7 @@
         <a:spcBef>
           <a:spcPts val="500"/>
         </a:spcBef>
-        <a:buFont typeface="Arial" panose="020B0604020202020204" pitchFamily="34" charset="0"/>
+        <a:buFont typeface="Arial" panose="020B0604020202090204" pitchFamily="34" charset="0"/>
         <a:buChar char="•"/>
         <a:defRPr sz="1800" kern="1200">
           <a:solidFill>
@@ -3196,7 +2796,7 @@
         <a:spcBef>
           <a:spcPts val="500"/>
         </a:spcBef>
-        <a:buFont typeface="Arial" panose="020B0604020202020204" pitchFamily="34" charset="0"/>
+        <a:buFont typeface="Arial" panose="020B0604020202090204" pitchFamily="34" charset="0"/>
         <a:buChar char="•"/>
         <a:defRPr sz="1800" kern="1200">
           <a:solidFill>
@@ -3214,7 +2814,7 @@
         <a:spcBef>
           <a:spcPts val="500"/>
         </a:spcBef>
-        <a:buFont typeface="Arial" panose="020B0604020202020204" pitchFamily="34" charset="0"/>
+        <a:buFont typeface="Arial" panose="020B0604020202090204" pitchFamily="34" charset="0"/>
         <a:buChar char="•"/>
         <a:defRPr sz="1800" kern="1200">
           <a:solidFill>
@@ -3344,13 +2944,7 @@
       </p:grpSpPr>
       <p:sp>
         <p:nvSpPr>
-          <p:cNvPr id="4" name="TextBox 3">
-            <a:extLst>
-              <a:ext uri="{FF2B5EF4-FFF2-40B4-BE49-F238E27FC236}">
-                <a16:creationId xmlns:a16="http://schemas.microsoft.com/office/drawing/2014/main" id="{1F3991F7-BB52-C9B6-4B69-C7A67970A374}"/>
-              </a:ext>
-            </a:extLst>
-          </p:cNvPr>
+          <p:cNvPr id="4" name="TextBox 3"/>
           <p:cNvSpPr txBox="1"/>
           <p:nvPr/>
         </p:nvSpPr>
@@ -3378,18 +2972,17 @@
               </a:rPr>
               <a:t>What is HTML?</a:t>
             </a:r>
-          </a:p>
-        </p:txBody>
-      </p:sp>
-      <p:sp>
-        <p:nvSpPr>
-          <p:cNvPr id="13" name="TextBox 12">
-            <a:extLst>
-              <a:ext uri="{FF2B5EF4-FFF2-40B4-BE49-F238E27FC236}">
-                <a16:creationId xmlns:a16="http://schemas.microsoft.com/office/drawing/2014/main" id="{902F073C-76F2-CF2D-ABEB-E1D8E4A67A69}"/>
-              </a:ext>
-            </a:extLst>
-          </p:cNvPr>
+            <a:endParaRPr lang="en-US" sz="2400" b="1" dirty="0">
+              <a:solidFill>
+                <a:schemeClr val="bg1"/>
+              </a:solidFill>
+            </a:endParaRPr>
+          </a:p>
+        </p:txBody>
+      </p:sp>
+      <p:sp>
+        <p:nvSpPr>
+          <p:cNvPr id="13" name="TextBox 12"/>
           <p:cNvSpPr txBox="1"/>
           <p:nvPr/>
         </p:nvSpPr>
@@ -3413,7 +3006,7 @@
               <a:lnSpc>
                 <a:spcPct val="150000"/>
               </a:lnSpc>
-              <a:buFont typeface="Arial" panose="020B0604020202020204" pitchFamily="34" charset="0"/>
+              <a:buFont typeface="Arial" panose="020B0604020202090204" pitchFamily="34" charset="0"/>
               <a:buChar char="•"/>
             </a:pPr>
             <a:r>
@@ -3423,13 +3016,17 @@
               </a:rPr>
               <a:t>Hyper Text Markup Language</a:t>
             </a:r>
+            <a:endParaRPr lang="en-US" dirty="0">
+              <a:latin typeface="Roboto" panose="02000000000000000000" pitchFamily="2" charset="0"/>
+              <a:ea typeface="Roboto" panose="02000000000000000000" pitchFamily="2" charset="0"/>
+            </a:endParaRPr>
           </a:p>
           <a:p>
             <a:pPr marL="285750" indent="-285750">
               <a:lnSpc>
                 <a:spcPct val="150000"/>
               </a:lnSpc>
-              <a:buFont typeface="Arial" panose="020B0604020202020204" pitchFamily="34" charset="0"/>
+              <a:buFont typeface="Arial" panose="020B0604020202090204" pitchFamily="34" charset="0"/>
               <a:buChar char="•"/>
             </a:pPr>
             <a:r>
@@ -3439,13 +3036,17 @@
               </a:rPr>
               <a:t>Markup language for creating Web pages</a:t>
             </a:r>
+            <a:endParaRPr lang="en-US" dirty="0">
+              <a:latin typeface="Roboto" panose="02000000000000000000" pitchFamily="2" charset="0"/>
+              <a:ea typeface="Roboto" panose="02000000000000000000" pitchFamily="2" charset="0"/>
+            </a:endParaRPr>
           </a:p>
           <a:p>
             <a:pPr marL="285750" indent="-285750">
               <a:lnSpc>
                 <a:spcPct val="150000"/>
               </a:lnSpc>
-              <a:buFont typeface="Arial" panose="020B0604020202020204" pitchFamily="34" charset="0"/>
+              <a:buFont typeface="Arial" panose="020B0604020202090204" pitchFamily="34" charset="0"/>
               <a:buChar char="•"/>
             </a:pPr>
             <a:r>
@@ -3455,15 +3056,14 @@
               </a:rPr>
               <a:t>Describes the structure of a Web page</a:t>
             </a:r>
+            <a:endParaRPr lang="en-US" dirty="0">
+              <a:latin typeface="Roboto" panose="02000000000000000000" pitchFamily="2" charset="0"/>
+              <a:ea typeface="Roboto" panose="02000000000000000000" pitchFamily="2" charset="0"/>
+            </a:endParaRPr>
           </a:p>
         </p:txBody>
       </p:sp>
     </p:spTree>
-    <p:extLst>
-      <p:ext uri="{BB962C8B-B14F-4D97-AF65-F5344CB8AC3E}">
-        <p14:creationId xmlns:p14="http://schemas.microsoft.com/office/powerpoint/2010/main" val="1445725282"/>
-      </p:ext>
-    </p:extLst>
   </p:cSld>
   <p:clrMapOvr>
     <a:masterClrMapping/>
@@ -3865,13 +3465,7 @@
       </p:grpSpPr>
       <p:sp>
         <p:nvSpPr>
-          <p:cNvPr id="4" name="TextBox 3">
-            <a:extLst>
-              <a:ext uri="{FF2B5EF4-FFF2-40B4-BE49-F238E27FC236}">
-                <a16:creationId xmlns:a16="http://schemas.microsoft.com/office/drawing/2014/main" id="{1F3991F7-BB52-C9B6-4B69-C7A67970A374}"/>
-              </a:ext>
-            </a:extLst>
-          </p:cNvPr>
+          <p:cNvPr id="4" name="TextBox 3"/>
           <p:cNvSpPr txBox="1"/>
           <p:nvPr/>
         </p:nvSpPr>
@@ -3899,25 +3493,24 @@
               </a:rPr>
               <a:t>Table tags</a:t>
             </a:r>
+            <a:endParaRPr lang="en-US" sz="2000" b="1" dirty="0">
+              <a:solidFill>
+                <a:schemeClr val="bg1"/>
+              </a:solidFill>
+            </a:endParaRPr>
           </a:p>
         </p:txBody>
       </p:sp>
       <p:pic>
         <p:nvPicPr>
-          <p:cNvPr id="5" name="Picture 4">
-            <a:extLst>
-              <a:ext uri="{FF2B5EF4-FFF2-40B4-BE49-F238E27FC236}">
-                <a16:creationId xmlns:a16="http://schemas.microsoft.com/office/drawing/2014/main" id="{C3BB1382-B1CA-5E12-E0D1-2812DF289364}"/>
-              </a:ext>
-            </a:extLst>
-          </p:cNvPr>
+          <p:cNvPr id="5" name="Picture 4"/>
           <p:cNvPicPr>
             <a:picLocks noChangeAspect="1"/>
           </p:cNvPicPr>
           <p:nvPr/>
         </p:nvPicPr>
         <p:blipFill>
-          <a:blip r:embed="rId2"/>
+          <a:blip r:embed="rId1"/>
           <a:stretch>
             <a:fillRect/>
           </a:stretch>
@@ -3933,11 +3526,6 @@
         </p:spPr>
       </p:pic>
     </p:spTree>
-    <p:extLst>
-      <p:ext uri="{BB962C8B-B14F-4D97-AF65-F5344CB8AC3E}">
-        <p14:creationId xmlns:p14="http://schemas.microsoft.com/office/powerpoint/2010/main" val="3670124506"/>
-      </p:ext>
-    </p:extLst>
   </p:cSld>
   <p:clrMapOvr>
     <a:masterClrMapping/>
@@ -3964,13 +3552,7 @@
       </p:grpSpPr>
       <p:sp>
         <p:nvSpPr>
-          <p:cNvPr id="4" name="TextBox 3">
-            <a:extLst>
-              <a:ext uri="{FF2B5EF4-FFF2-40B4-BE49-F238E27FC236}">
-                <a16:creationId xmlns:a16="http://schemas.microsoft.com/office/drawing/2014/main" id="{1F3991F7-BB52-C9B6-4B69-C7A67970A374}"/>
-              </a:ext>
-            </a:extLst>
-          </p:cNvPr>
+          <p:cNvPr id="4" name="TextBox 3"/>
           <p:cNvSpPr txBox="1"/>
           <p:nvPr/>
         </p:nvSpPr>
@@ -3998,33 +3580,32 @@
               </a:rPr>
               <a:t>Media tags</a:t>
             </a:r>
+            <a:endParaRPr lang="en-US" sz="2000" b="1" dirty="0">
+              <a:solidFill>
+                <a:schemeClr val="bg1"/>
+              </a:solidFill>
+            </a:endParaRPr>
           </a:p>
         </p:txBody>
       </p:sp>
       <p:pic>
         <p:nvPicPr>
-          <p:cNvPr id="3" name="Picture 2">
-            <a:extLst>
-              <a:ext uri="{FF2B5EF4-FFF2-40B4-BE49-F238E27FC236}">
-                <a16:creationId xmlns:a16="http://schemas.microsoft.com/office/drawing/2014/main" id="{2E523BE8-8D13-7FA0-5F02-F11B279DB27F}"/>
-              </a:ext>
-            </a:extLst>
-          </p:cNvPr>
+          <p:cNvPr id="3" name="Picture 2"/>
           <p:cNvPicPr>
             <a:picLocks noChangeAspect="1"/>
           </p:cNvPicPr>
           <p:nvPr/>
         </p:nvPicPr>
         <p:blipFill>
-          <a:blip r:embed="rId2"/>
+          <a:blip r:embed="rId1"/>
           <a:stretch>
             <a:fillRect/>
           </a:stretch>
         </p:blipFill>
         <p:spPr>
           <a:xfrm>
-            <a:off x="150202" y="912935"/>
-            <a:ext cx="10953750" cy="2781300"/>
+            <a:off x="150495" y="913130"/>
+            <a:ext cx="10788015" cy="2739390"/>
           </a:xfrm>
           <a:prstGeom prst="rect">
             <a:avLst/>
@@ -4032,11 +3613,6 @@
         </p:spPr>
       </p:pic>
     </p:spTree>
-    <p:extLst>
-      <p:ext uri="{BB962C8B-B14F-4D97-AF65-F5344CB8AC3E}">
-        <p14:creationId xmlns:p14="http://schemas.microsoft.com/office/powerpoint/2010/main" val="2531473490"/>
-      </p:ext>
-    </p:extLst>
   </p:cSld>
   <p:clrMapOvr>
     <a:masterClrMapping/>
@@ -4063,13 +3639,7 @@
       </p:grpSpPr>
       <p:sp>
         <p:nvSpPr>
-          <p:cNvPr id="4" name="TextBox 3">
-            <a:extLst>
-              <a:ext uri="{FF2B5EF4-FFF2-40B4-BE49-F238E27FC236}">
-                <a16:creationId xmlns:a16="http://schemas.microsoft.com/office/drawing/2014/main" id="{1F3991F7-BB52-C9B6-4B69-C7A67970A374}"/>
-              </a:ext>
-            </a:extLst>
-          </p:cNvPr>
+          <p:cNvPr id="4" name="TextBox 3"/>
           <p:cNvSpPr txBox="1"/>
           <p:nvPr/>
         </p:nvSpPr>
@@ -4097,33 +3667,32 @@
               </a:rPr>
               <a:t>Meta tags</a:t>
             </a:r>
+            <a:endParaRPr lang="en-US" sz="2000" b="1" dirty="0">
+              <a:solidFill>
+                <a:schemeClr val="bg1"/>
+              </a:solidFill>
+            </a:endParaRPr>
           </a:p>
         </p:txBody>
       </p:sp>
       <p:pic>
         <p:nvPicPr>
-          <p:cNvPr id="5" name="Picture 4">
-            <a:extLst>
-              <a:ext uri="{FF2B5EF4-FFF2-40B4-BE49-F238E27FC236}">
-                <a16:creationId xmlns:a16="http://schemas.microsoft.com/office/drawing/2014/main" id="{1AF1BADD-1A58-EEBB-530A-3A0216AE5CCA}"/>
-              </a:ext>
-            </a:extLst>
-          </p:cNvPr>
+          <p:cNvPr id="5" name="Picture 4"/>
           <p:cNvPicPr>
             <a:picLocks noChangeAspect="1"/>
           </p:cNvPicPr>
           <p:nvPr/>
         </p:nvPicPr>
         <p:blipFill>
-          <a:blip r:embed="rId2"/>
+          <a:blip r:embed="rId1"/>
           <a:stretch>
             <a:fillRect/>
           </a:stretch>
         </p:blipFill>
         <p:spPr>
           <a:xfrm>
-            <a:off x="251802" y="983150"/>
-            <a:ext cx="10953750" cy="1781175"/>
+            <a:off x="252095" y="982980"/>
+            <a:ext cx="10867390" cy="1767205"/>
           </a:xfrm>
           <a:prstGeom prst="rect">
             <a:avLst/>
@@ -4131,11 +3700,6 @@
         </p:spPr>
       </p:pic>
     </p:spTree>
-    <p:extLst>
-      <p:ext uri="{BB962C8B-B14F-4D97-AF65-F5344CB8AC3E}">
-        <p14:creationId xmlns:p14="http://schemas.microsoft.com/office/powerpoint/2010/main" val="4138138154"/>
-      </p:ext>
-    </p:extLst>
   </p:cSld>
   <p:clrMapOvr>
     <a:masterClrMapping/>
@@ -4162,13 +3726,7 @@
       </p:grpSpPr>
       <p:sp>
         <p:nvSpPr>
-          <p:cNvPr id="4" name="TextBox 3">
-            <a:extLst>
-              <a:ext uri="{FF2B5EF4-FFF2-40B4-BE49-F238E27FC236}">
-                <a16:creationId xmlns:a16="http://schemas.microsoft.com/office/drawing/2014/main" id="{1F3991F7-BB52-C9B6-4B69-C7A67970A374}"/>
-              </a:ext>
-            </a:extLst>
-          </p:cNvPr>
+          <p:cNvPr id="4" name="TextBox 3"/>
           <p:cNvSpPr txBox="1"/>
           <p:nvPr/>
         </p:nvSpPr>
@@ -4196,33 +3754,32 @@
               </a:rPr>
               <a:t>General tags</a:t>
             </a:r>
+            <a:endParaRPr lang="en-US" sz="2000" b="1" dirty="0">
+              <a:solidFill>
+                <a:schemeClr val="bg1"/>
+              </a:solidFill>
+            </a:endParaRPr>
           </a:p>
         </p:txBody>
       </p:sp>
       <p:pic>
         <p:nvPicPr>
-          <p:cNvPr id="3" name="Picture 2">
-            <a:extLst>
-              <a:ext uri="{FF2B5EF4-FFF2-40B4-BE49-F238E27FC236}">
-                <a16:creationId xmlns:a16="http://schemas.microsoft.com/office/drawing/2014/main" id="{F2262477-6C25-0906-502E-CDDE5405E02B}"/>
-              </a:ext>
-            </a:extLst>
-          </p:cNvPr>
+          <p:cNvPr id="3" name="Picture 2"/>
           <p:cNvPicPr>
             <a:picLocks noChangeAspect="1"/>
           </p:cNvPicPr>
           <p:nvPr/>
         </p:nvPicPr>
         <p:blipFill>
-          <a:blip r:embed="rId2"/>
+          <a:blip r:embed="rId1"/>
           <a:stretch>
             <a:fillRect/>
           </a:stretch>
         </p:blipFill>
         <p:spPr>
           <a:xfrm>
-            <a:off x="251802" y="809625"/>
-            <a:ext cx="10953750" cy="5238750"/>
+            <a:off x="252095" y="880745"/>
+            <a:ext cx="10656570" cy="5096510"/>
           </a:xfrm>
           <a:prstGeom prst="rect">
             <a:avLst/>
@@ -4230,11 +3787,6 @@
         </p:spPr>
       </p:pic>
     </p:spTree>
-    <p:extLst>
-      <p:ext uri="{BB962C8B-B14F-4D97-AF65-F5344CB8AC3E}">
-        <p14:creationId xmlns:p14="http://schemas.microsoft.com/office/powerpoint/2010/main" val="349360859"/>
-      </p:ext>
-    </p:extLst>
   </p:cSld>
   <p:clrMapOvr>
     <a:masterClrMapping/>
@@ -4261,13 +3813,7 @@
       </p:grpSpPr>
       <p:sp>
         <p:nvSpPr>
-          <p:cNvPr id="4" name="TextBox 3">
-            <a:extLst>
-              <a:ext uri="{FF2B5EF4-FFF2-40B4-BE49-F238E27FC236}">
-                <a16:creationId xmlns:a16="http://schemas.microsoft.com/office/drawing/2014/main" id="{1F3991F7-BB52-C9B6-4B69-C7A67970A374}"/>
-              </a:ext>
-            </a:extLst>
-          </p:cNvPr>
+          <p:cNvPr id="4" name="TextBox 3"/>
           <p:cNvSpPr txBox="1"/>
           <p:nvPr/>
         </p:nvSpPr>
@@ -4295,25 +3841,24 @@
               </a:rPr>
               <a:t>Create Simple HTML Document </a:t>
             </a:r>
+            <a:endParaRPr lang="en-US" sz="2000" b="1" dirty="0">
+              <a:solidFill>
+                <a:schemeClr val="bg1"/>
+              </a:solidFill>
+            </a:endParaRPr>
           </a:p>
         </p:txBody>
       </p:sp>
       <p:pic>
         <p:nvPicPr>
-          <p:cNvPr id="6" name="Picture 5">
-            <a:extLst>
-              <a:ext uri="{FF2B5EF4-FFF2-40B4-BE49-F238E27FC236}">
-                <a16:creationId xmlns:a16="http://schemas.microsoft.com/office/drawing/2014/main" id="{68CCD92D-BAFD-AB5A-5C3B-30424844C33F}"/>
-              </a:ext>
-            </a:extLst>
-          </p:cNvPr>
+          <p:cNvPr id="6" name="Picture 5"/>
           <p:cNvPicPr>
             <a:picLocks noChangeAspect="1"/>
           </p:cNvPicPr>
           <p:nvPr/>
         </p:nvPicPr>
         <p:blipFill>
-          <a:blip r:embed="rId2"/>
+          <a:blip r:embed="rId1"/>
           <a:stretch>
             <a:fillRect/>
           </a:stretch>
@@ -4329,11 +3874,6 @@
         </p:spPr>
       </p:pic>
     </p:spTree>
-    <p:extLst>
-      <p:ext uri="{BB962C8B-B14F-4D97-AF65-F5344CB8AC3E}">
-        <p14:creationId xmlns:p14="http://schemas.microsoft.com/office/powerpoint/2010/main" val="3159716208"/>
-      </p:ext>
-    </p:extLst>
   </p:cSld>
   <p:clrMapOvr>
     <a:masterClrMapping/>
@@ -4360,13 +3900,7 @@
       </p:grpSpPr>
       <p:sp>
         <p:nvSpPr>
-          <p:cNvPr id="4" name="TextBox 3">
-            <a:extLst>
-              <a:ext uri="{FF2B5EF4-FFF2-40B4-BE49-F238E27FC236}">
-                <a16:creationId xmlns:a16="http://schemas.microsoft.com/office/drawing/2014/main" id="{1F3991F7-BB52-C9B6-4B69-C7A67970A374}"/>
-              </a:ext>
-            </a:extLst>
-          </p:cNvPr>
+          <p:cNvPr id="4" name="TextBox 3"/>
           <p:cNvSpPr txBox="1"/>
           <p:nvPr/>
         </p:nvSpPr>
@@ -4394,33 +3928,32 @@
               </a:rPr>
               <a:t>Basic HTML Tags List</a:t>
             </a:r>
+            <a:endParaRPr lang="en-US" sz="2000" b="1" dirty="0">
+              <a:solidFill>
+                <a:schemeClr val="bg1"/>
+              </a:solidFill>
+            </a:endParaRPr>
           </a:p>
         </p:txBody>
       </p:sp>
       <p:pic>
         <p:nvPicPr>
-          <p:cNvPr id="3" name="Picture 2">
-            <a:extLst>
-              <a:ext uri="{FF2B5EF4-FFF2-40B4-BE49-F238E27FC236}">
-                <a16:creationId xmlns:a16="http://schemas.microsoft.com/office/drawing/2014/main" id="{52CC0F32-E3BC-1958-B87B-2ADC248ABDAD}"/>
-              </a:ext>
-            </a:extLst>
-          </p:cNvPr>
+          <p:cNvPr id="3" name="Picture 2"/>
           <p:cNvPicPr>
             <a:picLocks noChangeAspect="1"/>
           </p:cNvPicPr>
           <p:nvPr/>
         </p:nvPicPr>
         <p:blipFill>
-          <a:blip r:embed="rId2"/>
+          <a:blip r:embed="rId1"/>
           <a:stretch>
             <a:fillRect/>
           </a:stretch>
         </p:blipFill>
         <p:spPr>
           <a:xfrm>
-            <a:off x="229700" y="912934"/>
-            <a:ext cx="10367962" cy="5503203"/>
+            <a:off x="229870" y="913130"/>
+            <a:ext cx="9434830" cy="5008245"/>
           </a:xfrm>
           <a:prstGeom prst="rect">
             <a:avLst/>
@@ -4428,11 +3961,6 @@
         </p:spPr>
       </p:pic>
     </p:spTree>
-    <p:extLst>
-      <p:ext uri="{BB962C8B-B14F-4D97-AF65-F5344CB8AC3E}">
-        <p14:creationId xmlns:p14="http://schemas.microsoft.com/office/powerpoint/2010/main" val="1176167219"/>
-      </p:ext>
-    </p:extLst>
   </p:cSld>
   <p:clrMapOvr>
     <a:masterClrMapping/>
@@ -4459,13 +3987,7 @@
       </p:grpSpPr>
       <p:sp>
         <p:nvSpPr>
-          <p:cNvPr id="4" name="TextBox 3">
-            <a:extLst>
-              <a:ext uri="{FF2B5EF4-FFF2-40B4-BE49-F238E27FC236}">
-                <a16:creationId xmlns:a16="http://schemas.microsoft.com/office/drawing/2014/main" id="{1F3991F7-BB52-C9B6-4B69-C7A67970A374}"/>
-              </a:ext>
-            </a:extLst>
-          </p:cNvPr>
+          <p:cNvPr id="4" name="TextBox 3"/>
           <p:cNvSpPr txBox="1"/>
           <p:nvPr/>
         </p:nvSpPr>
@@ -4493,33 +4015,32 @@
               </a:rPr>
               <a:t>Formatting tags</a:t>
             </a:r>
+            <a:endParaRPr lang="en-US" sz="2000" b="1" dirty="0">
+              <a:solidFill>
+                <a:schemeClr val="bg1"/>
+              </a:solidFill>
+            </a:endParaRPr>
           </a:p>
         </p:txBody>
       </p:sp>
       <p:pic>
         <p:nvPicPr>
-          <p:cNvPr id="7" name="Picture 6">
-            <a:extLst>
-              <a:ext uri="{FF2B5EF4-FFF2-40B4-BE49-F238E27FC236}">
-                <a16:creationId xmlns:a16="http://schemas.microsoft.com/office/drawing/2014/main" id="{B9A96599-8986-2989-2401-904EED745FD7}"/>
-              </a:ext>
-            </a:extLst>
-          </p:cNvPr>
+          <p:cNvPr id="7" name="Picture 6"/>
           <p:cNvPicPr>
             <a:picLocks noChangeAspect="1"/>
           </p:cNvPicPr>
           <p:nvPr/>
         </p:nvPicPr>
         <p:blipFill>
-          <a:blip r:embed="rId2"/>
+          <a:blip r:embed="rId1"/>
           <a:stretch>
             <a:fillRect/>
           </a:stretch>
         </p:blipFill>
         <p:spPr>
           <a:xfrm>
-            <a:off x="414216" y="953477"/>
-            <a:ext cx="9615654" cy="5744308"/>
+            <a:off x="414020" y="953770"/>
+            <a:ext cx="9234805" cy="5516880"/>
           </a:xfrm>
           <a:prstGeom prst="rect">
             <a:avLst/>
@@ -4527,11 +4048,6 @@
         </p:spPr>
       </p:pic>
     </p:spTree>
-    <p:extLst>
-      <p:ext uri="{BB962C8B-B14F-4D97-AF65-F5344CB8AC3E}">
-        <p14:creationId xmlns:p14="http://schemas.microsoft.com/office/powerpoint/2010/main" val="2200893091"/>
-      </p:ext>
-    </p:extLst>
   </p:cSld>
   <p:clrMapOvr>
     <a:masterClrMapping/>
@@ -4558,13 +4074,7 @@
       </p:grpSpPr>
       <p:sp>
         <p:nvSpPr>
-          <p:cNvPr id="4" name="TextBox 3">
-            <a:extLst>
-              <a:ext uri="{FF2B5EF4-FFF2-40B4-BE49-F238E27FC236}">
-                <a16:creationId xmlns:a16="http://schemas.microsoft.com/office/drawing/2014/main" id="{1F3991F7-BB52-C9B6-4B69-C7A67970A374}"/>
-              </a:ext>
-            </a:extLst>
-          </p:cNvPr>
+          <p:cNvPr id="4" name="TextBox 3"/>
           <p:cNvSpPr txBox="1"/>
           <p:nvPr/>
         </p:nvSpPr>
@@ -4592,33 +4102,32 @@
               </a:rPr>
               <a:t>Formatting tags</a:t>
             </a:r>
+            <a:endParaRPr lang="en-US" sz="2000" b="1" dirty="0">
+              <a:solidFill>
+                <a:schemeClr val="bg1"/>
+              </a:solidFill>
+            </a:endParaRPr>
           </a:p>
         </p:txBody>
       </p:sp>
       <p:pic>
         <p:nvPicPr>
-          <p:cNvPr id="3" name="Picture 2">
-            <a:extLst>
-              <a:ext uri="{FF2B5EF4-FFF2-40B4-BE49-F238E27FC236}">
-                <a16:creationId xmlns:a16="http://schemas.microsoft.com/office/drawing/2014/main" id="{BC7ACDC7-E8B2-1812-37CA-9854358AB371}"/>
-              </a:ext>
-            </a:extLst>
-          </p:cNvPr>
+          <p:cNvPr id="3" name="Picture 2"/>
           <p:cNvPicPr>
             <a:picLocks noChangeAspect="1"/>
           </p:cNvPicPr>
           <p:nvPr/>
         </p:nvPicPr>
         <p:blipFill>
-          <a:blip r:embed="rId2"/>
+          <a:blip r:embed="rId1"/>
           <a:stretch>
             <a:fillRect/>
           </a:stretch>
         </p:blipFill>
         <p:spPr>
           <a:xfrm>
-            <a:off x="241543" y="1016244"/>
-            <a:ext cx="11330495" cy="2203694"/>
+            <a:off x="241300" y="1016000"/>
+            <a:ext cx="10313035" cy="2006600"/>
           </a:xfrm>
           <a:prstGeom prst="rect">
             <a:avLst/>
@@ -4626,11 +4135,6 @@
         </p:spPr>
       </p:pic>
     </p:spTree>
-    <p:extLst>
-      <p:ext uri="{BB962C8B-B14F-4D97-AF65-F5344CB8AC3E}">
-        <p14:creationId xmlns:p14="http://schemas.microsoft.com/office/powerpoint/2010/main" val="2767970829"/>
-      </p:ext>
-    </p:extLst>
   </p:cSld>
   <p:clrMapOvr>
     <a:masterClrMapping/>
@@ -4657,13 +4161,7 @@
       </p:grpSpPr>
       <p:sp>
         <p:nvSpPr>
-          <p:cNvPr id="4" name="TextBox 3">
-            <a:extLst>
-              <a:ext uri="{FF2B5EF4-FFF2-40B4-BE49-F238E27FC236}">
-                <a16:creationId xmlns:a16="http://schemas.microsoft.com/office/drawing/2014/main" id="{1F3991F7-BB52-C9B6-4B69-C7A67970A374}"/>
-              </a:ext>
-            </a:extLst>
-          </p:cNvPr>
+          <p:cNvPr id="4" name="TextBox 3"/>
           <p:cNvSpPr txBox="1"/>
           <p:nvPr/>
         </p:nvSpPr>
@@ -4691,33 +4189,32 @@
               </a:rPr>
               <a:t>Image tags</a:t>
             </a:r>
+            <a:endParaRPr lang="en-US" sz="2000" b="1" dirty="0">
+              <a:solidFill>
+                <a:schemeClr val="bg1"/>
+              </a:solidFill>
+            </a:endParaRPr>
           </a:p>
         </p:txBody>
       </p:sp>
       <p:pic>
         <p:nvPicPr>
-          <p:cNvPr id="5" name="Picture 4">
-            <a:extLst>
-              <a:ext uri="{FF2B5EF4-FFF2-40B4-BE49-F238E27FC236}">
-                <a16:creationId xmlns:a16="http://schemas.microsoft.com/office/drawing/2014/main" id="{265A8F93-C629-52AE-6A67-39197256EDFE}"/>
-              </a:ext>
-            </a:extLst>
-          </p:cNvPr>
+          <p:cNvPr id="5" name="Picture 4"/>
           <p:cNvPicPr>
             <a:picLocks noChangeAspect="1"/>
           </p:cNvPicPr>
           <p:nvPr/>
         </p:nvPicPr>
         <p:blipFill>
-          <a:blip r:embed="rId2"/>
+          <a:blip r:embed="rId1"/>
           <a:stretch>
             <a:fillRect/>
           </a:stretch>
         </p:blipFill>
         <p:spPr>
           <a:xfrm>
-            <a:off x="320431" y="875810"/>
-            <a:ext cx="11586830" cy="4985727"/>
+            <a:off x="320675" y="875665"/>
+            <a:ext cx="10735945" cy="4619625"/>
           </a:xfrm>
           <a:prstGeom prst="rect">
             <a:avLst/>
@@ -4725,11 +4222,6 @@
         </p:spPr>
       </p:pic>
     </p:spTree>
-    <p:extLst>
-      <p:ext uri="{BB962C8B-B14F-4D97-AF65-F5344CB8AC3E}">
-        <p14:creationId xmlns:p14="http://schemas.microsoft.com/office/powerpoint/2010/main" val="504532072"/>
-      </p:ext>
-    </p:extLst>
   </p:cSld>
   <p:clrMapOvr>
     <a:masterClrMapping/>
@@ -4756,13 +4248,7 @@
       </p:grpSpPr>
       <p:sp>
         <p:nvSpPr>
-          <p:cNvPr id="4" name="TextBox 3">
-            <a:extLst>
-              <a:ext uri="{FF2B5EF4-FFF2-40B4-BE49-F238E27FC236}">
-                <a16:creationId xmlns:a16="http://schemas.microsoft.com/office/drawing/2014/main" id="{1F3991F7-BB52-C9B6-4B69-C7A67970A374}"/>
-              </a:ext>
-            </a:extLst>
-          </p:cNvPr>
+          <p:cNvPr id="4" name="TextBox 3"/>
           <p:cNvSpPr txBox="1"/>
           <p:nvPr/>
         </p:nvSpPr>
@@ -4790,33 +4276,32 @@
               </a:rPr>
               <a:t>Link or navigation tags</a:t>
             </a:r>
+            <a:endParaRPr lang="en-US" sz="2000" b="1" dirty="0">
+              <a:solidFill>
+                <a:schemeClr val="bg1"/>
+              </a:solidFill>
+            </a:endParaRPr>
           </a:p>
         </p:txBody>
       </p:sp>
       <p:pic>
         <p:nvPicPr>
-          <p:cNvPr id="3" name="Picture 2">
-            <a:extLst>
-              <a:ext uri="{FF2B5EF4-FFF2-40B4-BE49-F238E27FC236}">
-                <a16:creationId xmlns:a16="http://schemas.microsoft.com/office/drawing/2014/main" id="{86FA6A7F-EAA7-2A92-4E9A-64FC27CFBAA3}"/>
-              </a:ext>
-            </a:extLst>
-          </p:cNvPr>
+          <p:cNvPr id="3" name="Picture 2"/>
           <p:cNvPicPr>
             <a:picLocks noChangeAspect="1"/>
           </p:cNvPicPr>
           <p:nvPr/>
         </p:nvPicPr>
         <p:blipFill>
-          <a:blip r:embed="rId2"/>
+          <a:blip r:embed="rId1"/>
           <a:stretch>
             <a:fillRect/>
           </a:stretch>
         </p:blipFill>
         <p:spPr>
           <a:xfrm>
-            <a:off x="414216" y="1001223"/>
-            <a:ext cx="11395195" cy="2343762"/>
+            <a:off x="414020" y="1001395"/>
+            <a:ext cx="10714990" cy="2204085"/>
           </a:xfrm>
           <a:prstGeom prst="rect">
             <a:avLst/>
@@ -4824,11 +4309,6 @@
         </p:spPr>
       </p:pic>
     </p:spTree>
-    <p:extLst>
-      <p:ext uri="{BB962C8B-B14F-4D97-AF65-F5344CB8AC3E}">
-        <p14:creationId xmlns:p14="http://schemas.microsoft.com/office/powerpoint/2010/main" val="3814605450"/>
-      </p:ext>
-    </p:extLst>
   </p:cSld>
   <p:clrMapOvr>
     <a:masterClrMapping/>
@@ -4855,13 +4335,7 @@
       </p:grpSpPr>
       <p:sp>
         <p:nvSpPr>
-          <p:cNvPr id="4" name="TextBox 3">
-            <a:extLst>
-              <a:ext uri="{FF2B5EF4-FFF2-40B4-BE49-F238E27FC236}">
-                <a16:creationId xmlns:a16="http://schemas.microsoft.com/office/drawing/2014/main" id="{1F3991F7-BB52-C9B6-4B69-C7A67970A374}"/>
-              </a:ext>
-            </a:extLst>
-          </p:cNvPr>
+          <p:cNvPr id="4" name="TextBox 3"/>
           <p:cNvSpPr txBox="1"/>
           <p:nvPr/>
         </p:nvSpPr>
@@ -4889,33 +4363,32 @@
               </a:rPr>
               <a:t>List tags</a:t>
             </a:r>
+            <a:endParaRPr lang="en-US" sz="2000" b="1" dirty="0">
+              <a:solidFill>
+                <a:schemeClr val="bg1"/>
+              </a:solidFill>
+            </a:endParaRPr>
           </a:p>
         </p:txBody>
       </p:sp>
       <p:pic>
         <p:nvPicPr>
-          <p:cNvPr id="5" name="Picture 4">
-            <a:extLst>
-              <a:ext uri="{FF2B5EF4-FFF2-40B4-BE49-F238E27FC236}">
-                <a16:creationId xmlns:a16="http://schemas.microsoft.com/office/drawing/2014/main" id="{B113A2AD-A3A2-D5D7-529D-D0FB16281F43}"/>
-              </a:ext>
-            </a:extLst>
-          </p:cNvPr>
+          <p:cNvPr id="5" name="Picture 4"/>
           <p:cNvPicPr>
             <a:picLocks noChangeAspect="1"/>
           </p:cNvPicPr>
           <p:nvPr/>
         </p:nvPicPr>
         <p:blipFill>
-          <a:blip r:embed="rId2"/>
+          <a:blip r:embed="rId1"/>
           <a:stretch>
             <a:fillRect/>
           </a:stretch>
         </p:blipFill>
         <p:spPr>
           <a:xfrm>
-            <a:off x="414215" y="847480"/>
-            <a:ext cx="11043119" cy="3802674"/>
+            <a:off x="414020" y="862330"/>
+            <a:ext cx="10405745" cy="3582670"/>
           </a:xfrm>
           <a:prstGeom prst="rect">
             <a:avLst/>
@@ -4923,11 +4396,6 @@
         </p:spPr>
       </p:pic>
     </p:spTree>
-    <p:extLst>
-      <p:ext uri="{BB962C8B-B14F-4D97-AF65-F5344CB8AC3E}">
-        <p14:creationId xmlns:p14="http://schemas.microsoft.com/office/powerpoint/2010/main" val="2066409741"/>
-      </p:ext>
-    </p:extLst>
   </p:cSld>
   <p:clrMapOvr>
     <a:masterClrMapping/>
@@ -4954,13 +4422,7 @@
       </p:grpSpPr>
       <p:sp>
         <p:nvSpPr>
-          <p:cNvPr id="4" name="TextBox 3">
-            <a:extLst>
-              <a:ext uri="{FF2B5EF4-FFF2-40B4-BE49-F238E27FC236}">
-                <a16:creationId xmlns:a16="http://schemas.microsoft.com/office/drawing/2014/main" id="{1F3991F7-BB52-C9B6-4B69-C7A67970A374}"/>
-              </a:ext>
-            </a:extLst>
-          </p:cNvPr>
+          <p:cNvPr id="4" name="TextBox 3"/>
           <p:cNvSpPr txBox="1"/>
           <p:nvPr/>
         </p:nvSpPr>
@@ -4988,25 +4450,24 @@
               </a:rPr>
               <a:t>Form and input tags</a:t>
             </a:r>
+            <a:endParaRPr lang="en-US" sz="2000" b="1" dirty="0">
+              <a:solidFill>
+                <a:schemeClr val="bg1"/>
+              </a:solidFill>
+            </a:endParaRPr>
           </a:p>
         </p:txBody>
       </p:sp>
       <p:pic>
         <p:nvPicPr>
-          <p:cNvPr id="3" name="Picture 2">
-            <a:extLst>
-              <a:ext uri="{FF2B5EF4-FFF2-40B4-BE49-F238E27FC236}">
-                <a16:creationId xmlns:a16="http://schemas.microsoft.com/office/drawing/2014/main" id="{11C4D189-8C33-CFF9-4848-D30B90885EF0}"/>
-              </a:ext>
-            </a:extLst>
-          </p:cNvPr>
+          <p:cNvPr id="3" name="Picture 2"/>
           <p:cNvPicPr>
             <a:picLocks noChangeAspect="1"/>
           </p:cNvPicPr>
           <p:nvPr/>
         </p:nvPicPr>
         <p:blipFill>
-          <a:blip r:embed="rId2"/>
+          <a:blip r:embed="rId1"/>
           <a:stretch>
             <a:fillRect/>
           </a:stretch>
@@ -5022,11 +4483,6 @@
         </p:spPr>
       </p:pic>
     </p:spTree>
-    <p:extLst>
-      <p:ext uri="{BB962C8B-B14F-4D97-AF65-F5344CB8AC3E}">
-        <p14:creationId xmlns:p14="http://schemas.microsoft.com/office/powerpoint/2010/main" val="1443350620"/>
-      </p:ext>
-    </p:extLst>
   </p:cSld>
   <p:clrMapOvr>
     <a:masterClrMapping/>
@@ -5077,7 +4533,7 @@
     </a:clrScheme>
     <a:fontScheme name="Office">
       <a:majorFont>
-        <a:latin typeface="Calibri Light" panose="020F0302020204030204"/>
+        <a:latin typeface="Calibri Light"/>
         <a:ea typeface=""/>
         <a:cs typeface=""/>
         <a:font script="Jpan" typeface="游ゴシック Light"/>
@@ -5110,26 +4566,9 @@
         <a:font script="Viet" typeface="Times New Roman"/>
         <a:font script="Uigh" typeface="Microsoft Uighur"/>
         <a:font script="Geor" typeface="Sylfaen"/>
-        <a:font script="Armn" typeface="Arial"/>
-        <a:font script="Bugi" typeface="Leelawadee UI"/>
-        <a:font script="Bopo" typeface="Microsoft JhengHei"/>
-        <a:font script="Java" typeface="Javanese Text"/>
-        <a:font script="Lisu" typeface="Segoe UI"/>
-        <a:font script="Mymr" typeface="Myanmar Text"/>
-        <a:font script="Nkoo" typeface="Ebrima"/>
-        <a:font script="Olck" typeface="Nirmala UI"/>
-        <a:font script="Osma" typeface="Ebrima"/>
-        <a:font script="Phag" typeface="Phagspa"/>
-        <a:font script="Syrn" typeface="Estrangelo Edessa"/>
-        <a:font script="Syrj" typeface="Estrangelo Edessa"/>
-        <a:font script="Syre" typeface="Estrangelo Edessa"/>
-        <a:font script="Sora" typeface="Nirmala UI"/>
-        <a:font script="Tale" typeface="Microsoft Tai Le"/>
-        <a:font script="Talu" typeface="Microsoft New Tai Lue"/>
-        <a:font script="Tfng" typeface="Ebrima"/>
       </a:majorFont>
       <a:minorFont>
-        <a:latin typeface="Calibri" panose="020F0502020204030204"/>
+        <a:latin typeface="Calibri"/>
         <a:ea typeface=""/>
         <a:cs typeface=""/>
         <a:font script="Jpan" typeface="游ゴシック"/>
@@ -5162,23 +4601,6 @@
         <a:font script="Viet" typeface="Arial"/>
         <a:font script="Uigh" typeface="Microsoft Uighur"/>
         <a:font script="Geor" typeface="Sylfaen"/>
-        <a:font script="Armn" typeface="Arial"/>
-        <a:font script="Bugi" typeface="Leelawadee UI"/>
-        <a:font script="Bopo" typeface="Microsoft JhengHei"/>
-        <a:font script="Java" typeface="Javanese Text"/>
-        <a:font script="Lisu" typeface="Segoe UI"/>
-        <a:font script="Mymr" typeface="Myanmar Text"/>
-        <a:font script="Nkoo" typeface="Ebrima"/>
-        <a:font script="Olck" typeface="Nirmala UI"/>
-        <a:font script="Osma" typeface="Ebrima"/>
-        <a:font script="Phag" typeface="Phagspa"/>
-        <a:font script="Syrn" typeface="Estrangelo Edessa"/>
-        <a:font script="Syrj" typeface="Estrangelo Edessa"/>
-        <a:font script="Syre" typeface="Estrangelo Edessa"/>
-        <a:font script="Sora" typeface="Nirmala UI"/>
-        <a:font script="Tale" typeface="Microsoft Tai Le"/>
-        <a:font script="Talu" typeface="Microsoft New Tai Lue"/>
-        <a:font script="Tfng" typeface="Ebrima"/>
       </a:minorFont>
     </a:fontScheme>
     <a:fmtScheme name="Office">
@@ -5319,8 +4741,6 @@
       </a:bgFillStyleLst>
     </a:fmtScheme>
   </a:themeElements>
-  <a:objectDefaults/>
-  <a:extraClrSchemeLst/>
   <a:extLst>
     <a:ext uri="{05A4C25C-085E-4340-85A3-A5531E510DB2}">
       <thm15:themeFamily xmlns:thm15="http://schemas.microsoft.com/office/thememl/2012/main" name="Office Theme" id="{62F939B6-93AF-4DB8-9C6B-D6C7DFDC589F}" vid="{4A3C46E8-61CC-4603-A589-7422A47A8E4A}"/>
